--- a/课程PPT/14.JS对象属性特性.pptx
+++ b/课程PPT/14.JS对象属性特性.pptx
@@ -5,27 +5,27 @@
     <p:sldMasterId id="2147483648" r:id="rId1"/>
   </p:sldMasterIdLst>
   <p:notesMasterIdLst>
-    <p:notesMasterId r:id="rId20"/>
+    <p:notesMasterId r:id="rId6"/>
   </p:notesMasterIdLst>
   <p:sldIdLst>
-    <p:sldId id="773" r:id="rId2"/>
-    <p:sldId id="1366" r:id="rId3"/>
-    <p:sldId id="1195" r:id="rId4"/>
-    <p:sldId id="1313" r:id="rId5"/>
-    <p:sldId id="1365" r:id="rId6"/>
-    <p:sldId id="1209" r:id="rId7"/>
-    <p:sldId id="1226" r:id="rId8"/>
-    <p:sldId id="1235" r:id="rId9"/>
-    <p:sldId id="1312" r:id="rId10"/>
-    <p:sldId id="1367" r:id="rId11"/>
-    <p:sldId id="1385" r:id="rId12"/>
-    <p:sldId id="1393" r:id="rId13"/>
-    <p:sldId id="1368" r:id="rId14"/>
-    <p:sldId id="1218" r:id="rId15"/>
-    <p:sldId id="1392" r:id="rId16"/>
-    <p:sldId id="1399" r:id="rId17"/>
-    <p:sldId id="1398" r:id="rId18"/>
-    <p:sldId id="1104" r:id="rId19"/>
+    <p:sldId id="773" r:id="rId3"/>
+    <p:sldId id="1366" r:id="rId4"/>
+    <p:sldId id="1195" r:id="rId5"/>
+    <p:sldId id="1313" r:id="rId7"/>
+    <p:sldId id="1365" r:id="rId8"/>
+    <p:sldId id="1209" r:id="rId9"/>
+    <p:sldId id="1226" r:id="rId10"/>
+    <p:sldId id="1235" r:id="rId11"/>
+    <p:sldId id="1312" r:id="rId12"/>
+    <p:sldId id="1367" r:id="rId13"/>
+    <p:sldId id="1385" r:id="rId14"/>
+    <p:sldId id="1393" r:id="rId15"/>
+    <p:sldId id="1368" r:id="rId16"/>
+    <p:sldId id="1218" r:id="rId17"/>
+    <p:sldId id="1392" r:id="rId18"/>
+    <p:sldId id="1399" r:id="rId19"/>
+    <p:sldId id="1398" r:id="rId20"/>
+    <p:sldId id="1104" r:id="rId21"/>
   </p:sldIdLst>
   <p:sldSz cx="12192000" cy="6858000"/>
   <p:notesSz cx="6797675" cy="9928225"/>
@@ -344,6 +344,7 @@
               <a:rPr lang="zh-CN" altLang="zh-CN" noProof="0" smtClean="0"/>
               <a:t>                                                   </a:t>
             </a:r>
+            <a:endParaRPr lang="zh-CN" altLang="zh-CN" noProof="0" smtClean="0"/>
           </a:p>
           <a:p>
             <a:pPr lvl="1"/>
@@ -351,6 +352,7 @@
               <a:rPr lang="zh-CN" altLang="zh-CN" noProof="0" smtClean="0"/>
               <a:t>               </a:t>
             </a:r>
+            <a:endParaRPr lang="zh-CN" altLang="zh-CN" noProof="0" smtClean="0"/>
           </a:p>
           <a:p>
             <a:pPr lvl="2"/>
@@ -358,6 +360,7 @@
               <a:rPr lang="zh-CN" altLang="zh-CN" noProof="0" smtClean="0"/>
               <a:t>                </a:t>
             </a:r>
+            <a:endParaRPr lang="zh-CN" altLang="zh-CN" noProof="0" smtClean="0"/>
           </a:p>
           <a:p>
             <a:pPr lvl="3"/>
@@ -365,6 +368,7 @@
               <a:rPr lang="zh-CN" altLang="zh-CN" noProof="0" smtClean="0"/>
               <a:t>                </a:t>
             </a:r>
+            <a:endParaRPr lang="zh-CN" altLang="zh-CN" noProof="0" smtClean="0"/>
           </a:p>
           <a:p>
             <a:pPr lvl="4"/>
@@ -372,6 +376,7 @@
               <a:rPr lang="zh-CN" altLang="zh-CN" noProof="0" smtClean="0"/>
               <a:t>                </a:t>
             </a:r>
+            <a:endParaRPr lang="zh-CN" altLang="zh-CN" noProof="0" smtClean="0"/>
           </a:p>
         </p:txBody>
       </p:sp>
@@ -454,18 +459,12 @@
           <a:p>
             <a:fld id="{D9AFD278-84AA-4CAA-9049-809825956FE0}" type="slidenum">
               <a:rPr lang="en-US" altLang="zh-CN"/>
-              <a:t>‹#›</a:t>
             </a:fld>
             <a:endParaRPr lang="zh-CN" altLang="zh-CN"/>
           </a:p>
         </p:txBody>
       </p:sp>
     </p:spTree>
-    <p:extLst>
-      <p:ext uri="{BB962C8B-B14F-4D97-AF65-F5344CB8AC3E}">
-        <p14:creationId xmlns:p14="http://schemas.microsoft.com/office/powerpoint/2010/main" val="1063085749"/>
-      </p:ext>
-    </p:extLst>
   </p:cSld>
   <p:clrMap bg1="lt1" tx1="dk1" bg2="lt2" tx2="dk2" accent1="accent1" accent2="accent2" accent3="accent3" accent4="accent4" accent5="accent5" accent6="accent6" hlink="hlink" folHlink="folHlink"/>
   <p:notesStyle>
@@ -691,6 +690,9 @@
               </a:rPr>
               <a:t>Map</a:t>
             </a:r>
+            <a:endParaRPr kumimoji="0" lang="en-US" altLang="zh-CN" dirty="0" smtClean="0">
+              <a:sym typeface="+mn-ea"/>
+            </a:endParaRPr>
           </a:p>
         </p:txBody>
       </p:sp>
@@ -711,7 +713,6 @@
           <a:p>
             <a:fld id="{D9AFD278-84AA-4CAA-9049-809825956FE0}" type="slidenum">
               <a:rPr lang="en-US" altLang="zh-CN" smtClean="0"/>
-              <a:t>3</a:t>
             </a:fld>
             <a:endParaRPr lang="zh-CN" altLang="zh-CN"/>
           </a:p>
@@ -792,7 +793,6 @@
           <a:p>
             <a:fld id="{D9AFD278-84AA-4CAA-9049-809825956FE0}" type="slidenum">
               <a:rPr lang="en-US" altLang="zh-CN" smtClean="0"/>
-              <a:t>15</a:t>
             </a:fld>
             <a:endParaRPr lang="zh-CN" altLang="zh-CN"/>
           </a:p>
@@ -873,7 +873,6 @@
           <a:p>
             <a:fld id="{D9AFD278-84AA-4CAA-9049-809825956FE0}" type="slidenum">
               <a:rPr lang="en-US" altLang="zh-CN" smtClean="0"/>
-              <a:t>16</a:t>
             </a:fld>
             <a:endParaRPr lang="zh-CN" altLang="zh-CN"/>
           </a:p>
@@ -954,7 +953,6 @@
           <a:p>
             <a:fld id="{D9AFD278-84AA-4CAA-9049-809825956FE0}" type="slidenum">
               <a:rPr lang="en-US" altLang="zh-CN" smtClean="0"/>
-              <a:t>17</a:t>
             </a:fld>
             <a:endParaRPr lang="zh-CN" altLang="zh-CN"/>
           </a:p>
@@ -1005,7 +1003,6 @@
           <a:lstStyle/>
           <a:p>
             <a:pPr lvl="0"/>
-            <a:endParaRPr/>
           </a:p>
         </p:txBody>
       </p:sp>
@@ -1043,6 +1040,12 @@
               </a:rPr>
               <a:t>http://zh.wikipedia.org/wiki/JavaScript</a:t>
             </a:r>
+            <a:endParaRPr sz="2400">
+              <a:latin typeface="Calibri" panose="020F0502020204030204"/>
+              <a:ea typeface="Calibri" panose="020F0502020204030204"/>
+              <a:cs typeface="Calibri" panose="020F0502020204030204"/>
+              <a:sym typeface="Calibri" panose="020F0502020204030204"/>
+            </a:endParaRPr>
           </a:p>
           <a:p>
             <a:pPr lvl="0" defTabSz="914400">
@@ -1250,6 +1253,7 @@
               <a:rPr sz="2400"/>
               <a:t>，文档对象模型，浏览器对象模型。</a:t>
             </a:r>
+            <a:endParaRPr sz="2400"/>
           </a:p>
         </p:txBody>
       </p:sp>
@@ -1347,6 +1351,9 @@
               </a:rPr>
               <a:t>Map</a:t>
             </a:r>
+            <a:endParaRPr kumimoji="0" lang="en-US" altLang="zh-CN" dirty="0" smtClean="0">
+              <a:sym typeface="+mn-ea"/>
+            </a:endParaRPr>
           </a:p>
         </p:txBody>
       </p:sp>
@@ -1367,7 +1374,6 @@
           <a:p>
             <a:fld id="{D9AFD278-84AA-4CAA-9049-809825956FE0}" type="slidenum">
               <a:rPr lang="en-US" altLang="zh-CN" smtClean="0"/>
-              <a:t>6</a:t>
             </a:fld>
             <a:endParaRPr lang="zh-CN" altLang="zh-CN"/>
           </a:p>
@@ -1467,6 +1473,9 @@
               </a:rPr>
               <a:t>Map</a:t>
             </a:r>
+            <a:endParaRPr kumimoji="0" lang="en-US" altLang="zh-CN" dirty="0" smtClean="0">
+              <a:sym typeface="+mn-ea"/>
+            </a:endParaRPr>
           </a:p>
         </p:txBody>
       </p:sp>
@@ -1487,7 +1496,6 @@
           <a:p>
             <a:fld id="{D9AFD278-84AA-4CAA-9049-809825956FE0}" type="slidenum">
               <a:rPr lang="en-US" altLang="zh-CN" smtClean="0"/>
-              <a:t>7</a:t>
             </a:fld>
             <a:endParaRPr lang="zh-CN" altLang="zh-CN"/>
           </a:p>
@@ -1587,6 +1595,9 @@
               </a:rPr>
               <a:t>Map</a:t>
             </a:r>
+            <a:endParaRPr kumimoji="0" lang="en-US" altLang="zh-CN" dirty="0" smtClean="0">
+              <a:sym typeface="+mn-ea"/>
+            </a:endParaRPr>
           </a:p>
         </p:txBody>
       </p:sp>
@@ -1607,7 +1618,6 @@
           <a:p>
             <a:fld id="{D9AFD278-84AA-4CAA-9049-809825956FE0}" type="slidenum">
               <a:rPr lang="en-US" altLang="zh-CN" smtClean="0"/>
-              <a:t>8</a:t>
             </a:fld>
             <a:endParaRPr lang="zh-CN" altLang="zh-CN"/>
           </a:p>
@@ -1707,6 +1717,9 @@
               </a:rPr>
               <a:t>Map</a:t>
             </a:r>
+            <a:endParaRPr kumimoji="0" lang="en-US" altLang="zh-CN" dirty="0" smtClean="0">
+              <a:sym typeface="+mn-ea"/>
+            </a:endParaRPr>
           </a:p>
         </p:txBody>
       </p:sp>
@@ -1727,7 +1740,6 @@
           <a:p>
             <a:fld id="{D9AFD278-84AA-4CAA-9049-809825956FE0}" type="slidenum">
               <a:rPr lang="en-US" altLang="zh-CN" smtClean="0"/>
-              <a:t>9</a:t>
             </a:fld>
             <a:endParaRPr lang="zh-CN" altLang="zh-CN"/>
           </a:p>
@@ -1827,6 +1839,9 @@
               </a:rPr>
               <a:t>Map</a:t>
             </a:r>
+            <a:endParaRPr kumimoji="0" lang="en-US" altLang="zh-CN" dirty="0" smtClean="0">
+              <a:sym typeface="+mn-ea"/>
+            </a:endParaRPr>
           </a:p>
         </p:txBody>
       </p:sp>
@@ -1847,7 +1862,6 @@
           <a:p>
             <a:fld id="{D9AFD278-84AA-4CAA-9049-809825956FE0}" type="slidenum">
               <a:rPr lang="en-US" altLang="zh-CN" smtClean="0"/>
-              <a:t>11</a:t>
             </a:fld>
             <a:endParaRPr lang="zh-CN" altLang="zh-CN"/>
           </a:p>
@@ -1947,6 +1961,9 @@
               </a:rPr>
               <a:t>Map</a:t>
             </a:r>
+            <a:endParaRPr kumimoji="0" lang="en-US" altLang="zh-CN" dirty="0" smtClean="0">
+              <a:sym typeface="+mn-ea"/>
+            </a:endParaRPr>
           </a:p>
         </p:txBody>
       </p:sp>
@@ -1967,7 +1984,6 @@
           <a:p>
             <a:fld id="{D9AFD278-84AA-4CAA-9049-809825956FE0}" type="slidenum">
               <a:rPr lang="en-US" altLang="zh-CN" smtClean="0"/>
-              <a:t>12</a:t>
             </a:fld>
             <a:endParaRPr lang="zh-CN" altLang="zh-CN"/>
           </a:p>
@@ -2067,6 +2083,9 @@
               </a:rPr>
               <a:t>Map</a:t>
             </a:r>
+            <a:endParaRPr kumimoji="0" lang="en-US" altLang="zh-CN" dirty="0" smtClean="0">
+              <a:sym typeface="+mn-ea"/>
+            </a:endParaRPr>
           </a:p>
         </p:txBody>
       </p:sp>
@@ -2087,7 +2106,6 @@
           <a:p>
             <a:fld id="{D9AFD278-84AA-4CAA-9049-809825956FE0}" type="slidenum">
               <a:rPr lang="en-US" altLang="zh-CN" smtClean="0"/>
-              <a:t>14</a:t>
             </a:fld>
             <a:endParaRPr lang="zh-CN" altLang="zh-CN"/>
           </a:p>
@@ -2171,6 +2189,7 @@
               <a:rPr lang="zh-CN" altLang="en-US" dirty="0" smtClean="0"/>
               <a:t>单击此处编辑母版文本样式</a:t>
             </a:r>
+            <a:endParaRPr lang="zh-CN" altLang="en-US" dirty="0" smtClean="0"/>
           </a:p>
           <a:p>
             <a:pPr lvl="1"/>
@@ -2178,6 +2197,7 @@
               <a:rPr lang="zh-CN" altLang="en-US" dirty="0" smtClean="0"/>
               <a:t>第二级</a:t>
             </a:r>
+            <a:endParaRPr lang="zh-CN" altLang="en-US" dirty="0" smtClean="0"/>
           </a:p>
           <a:p>
             <a:pPr lvl="2"/>
@@ -2185,6 +2205,7 @@
               <a:rPr lang="zh-CN" altLang="en-US" dirty="0" smtClean="0"/>
               <a:t>第三级</a:t>
             </a:r>
+            <a:endParaRPr lang="zh-CN" altLang="en-US" dirty="0" smtClean="0"/>
           </a:p>
           <a:p>
             <a:pPr lvl="3"/>
@@ -2192,6 +2213,7 @@
               <a:rPr lang="zh-CN" altLang="en-US" dirty="0" smtClean="0"/>
               <a:t>第四级</a:t>
             </a:r>
+            <a:endParaRPr lang="zh-CN" altLang="en-US" dirty="0" smtClean="0"/>
           </a:p>
         </p:txBody>
       </p:sp>
@@ -2253,6 +2275,7 @@
               <a:rPr lang="zh-CN" altLang="en-US" dirty="0" smtClean="0"/>
               <a:t>单击此处编辑母版文本样式</a:t>
             </a:r>
+            <a:endParaRPr lang="zh-CN" altLang="en-US" dirty="0" smtClean="0"/>
           </a:p>
         </p:txBody>
       </p:sp>
@@ -2309,7 +2332,6 @@
           <a:p>
             <a:fld id="{2030C94F-1E7C-47E3-9C60-176A530B03BF}" type="slidenum">
               <a:rPr lang="en-US" altLang="zh-CN"/>
-              <a:t>‹#›</a:t>
             </a:fld>
             <a:endParaRPr lang="zh-CN" altLang="zh-CN" sz="3200" b="0"/>
           </a:p>
@@ -2400,6 +2422,7 @@
               <a:rPr lang="zh-CN" altLang="en-US" dirty="0" smtClean="0"/>
               <a:t>单击此处编辑母版文本样式</a:t>
             </a:r>
+            <a:endParaRPr lang="zh-CN" altLang="en-US" dirty="0" smtClean="0"/>
           </a:p>
           <a:p>
             <a:pPr lvl="1"/>
@@ -2407,6 +2430,7 @@
               <a:rPr lang="zh-CN" altLang="en-US" dirty="0" smtClean="0"/>
               <a:t>第二级</a:t>
             </a:r>
+            <a:endParaRPr lang="zh-CN" altLang="en-US" dirty="0" smtClean="0"/>
           </a:p>
           <a:p>
             <a:pPr lvl="2"/>
@@ -2414,6 +2438,7 @@
               <a:rPr lang="zh-CN" altLang="en-US" dirty="0" smtClean="0"/>
               <a:t>第三级</a:t>
             </a:r>
+            <a:endParaRPr lang="zh-CN" altLang="en-US" dirty="0" smtClean="0"/>
           </a:p>
           <a:p>
             <a:pPr lvl="3"/>
@@ -2421,6 +2446,7 @@
               <a:rPr lang="zh-CN" altLang="en-US" dirty="0" smtClean="0"/>
               <a:t>第四级</a:t>
             </a:r>
+            <a:endParaRPr lang="zh-CN" altLang="en-US" dirty="0" smtClean="0"/>
           </a:p>
         </p:txBody>
       </p:sp>
@@ -2478,6 +2504,7 @@
               <a:rPr lang="zh-CN" altLang="en-US" dirty="0" smtClean="0"/>
               <a:t>单击此处编辑母版文本样式</a:t>
             </a:r>
+            <a:endParaRPr lang="zh-CN" altLang="en-US" dirty="0" smtClean="0"/>
           </a:p>
         </p:txBody>
       </p:sp>
@@ -2559,6 +2586,7 @@
               <a:rPr lang="zh-CN" altLang="en-US" dirty="0" smtClean="0"/>
               <a:t>单击此处编辑母版文本样式</a:t>
             </a:r>
+            <a:endParaRPr lang="zh-CN" altLang="en-US" dirty="0" smtClean="0"/>
           </a:p>
           <a:p>
             <a:pPr lvl="1"/>
@@ -2566,6 +2594,7 @@
               <a:rPr lang="zh-CN" altLang="en-US" dirty="0" smtClean="0"/>
               <a:t>第二级</a:t>
             </a:r>
+            <a:endParaRPr lang="zh-CN" altLang="en-US" dirty="0" smtClean="0"/>
           </a:p>
           <a:p>
             <a:pPr lvl="2"/>
@@ -2573,6 +2602,7 @@
               <a:rPr lang="zh-CN" altLang="en-US" dirty="0" smtClean="0"/>
               <a:t>第三级</a:t>
             </a:r>
+            <a:endParaRPr lang="zh-CN" altLang="en-US" dirty="0" smtClean="0"/>
           </a:p>
           <a:p>
             <a:pPr lvl="3"/>
@@ -2580,6 +2610,7 @@
               <a:rPr lang="zh-CN" altLang="en-US" dirty="0" smtClean="0"/>
               <a:t>第四级</a:t>
             </a:r>
+            <a:endParaRPr lang="zh-CN" altLang="en-US" dirty="0" smtClean="0"/>
           </a:p>
         </p:txBody>
       </p:sp>
@@ -2637,6 +2668,7 @@
               <a:rPr lang="zh-CN" altLang="en-US" dirty="0" smtClean="0"/>
               <a:t>单击此处编辑母版文本样式</a:t>
             </a:r>
+            <a:endParaRPr lang="zh-CN" altLang="en-US" dirty="0" smtClean="0"/>
           </a:p>
         </p:txBody>
       </p:sp>
@@ -2718,6 +2750,7 @@
               <a:rPr lang="zh-CN" altLang="en-US" dirty="0" smtClean="0"/>
               <a:t>单击此处编辑母版文本样式</a:t>
             </a:r>
+            <a:endParaRPr lang="zh-CN" altLang="en-US" dirty="0" smtClean="0"/>
           </a:p>
           <a:p>
             <a:pPr lvl="1"/>
@@ -2725,6 +2758,7 @@
               <a:rPr lang="zh-CN" altLang="en-US" dirty="0" smtClean="0"/>
               <a:t>第二级</a:t>
             </a:r>
+            <a:endParaRPr lang="zh-CN" altLang="en-US" dirty="0" smtClean="0"/>
           </a:p>
           <a:p>
             <a:pPr lvl="2"/>
@@ -2732,6 +2766,7 @@
               <a:rPr lang="zh-CN" altLang="en-US" dirty="0" smtClean="0"/>
               <a:t>第三级</a:t>
             </a:r>
+            <a:endParaRPr lang="zh-CN" altLang="en-US" dirty="0" smtClean="0"/>
           </a:p>
           <a:p>
             <a:pPr lvl="3"/>
@@ -2739,6 +2774,7 @@
               <a:rPr lang="zh-CN" altLang="en-US" dirty="0" smtClean="0"/>
               <a:t>第四级</a:t>
             </a:r>
+            <a:endParaRPr lang="zh-CN" altLang="en-US" dirty="0" smtClean="0"/>
           </a:p>
         </p:txBody>
       </p:sp>
@@ -2796,6 +2832,7 @@
               <a:rPr lang="zh-CN" altLang="en-US" dirty="0" smtClean="0"/>
               <a:t>单击此处编辑母版文本样式</a:t>
             </a:r>
+            <a:endParaRPr lang="zh-CN" altLang="en-US" dirty="0" smtClean="0"/>
           </a:p>
         </p:txBody>
       </p:sp>
@@ -2877,6 +2914,7 @@
               <a:rPr lang="zh-CN" altLang="en-US" dirty="0" smtClean="0"/>
               <a:t>单击此处编辑母版文本样式</a:t>
             </a:r>
+            <a:endParaRPr lang="zh-CN" altLang="en-US" dirty="0" smtClean="0"/>
           </a:p>
           <a:p>
             <a:pPr lvl="1"/>
@@ -2884,6 +2922,7 @@
               <a:rPr lang="zh-CN" altLang="en-US" dirty="0" smtClean="0"/>
               <a:t>第二级</a:t>
             </a:r>
+            <a:endParaRPr lang="zh-CN" altLang="en-US" dirty="0" smtClean="0"/>
           </a:p>
           <a:p>
             <a:pPr lvl="2"/>
@@ -2891,6 +2930,7 @@
               <a:rPr lang="zh-CN" altLang="en-US" dirty="0" smtClean="0"/>
               <a:t>第三级</a:t>
             </a:r>
+            <a:endParaRPr lang="zh-CN" altLang="en-US" dirty="0" smtClean="0"/>
           </a:p>
           <a:p>
             <a:pPr lvl="3"/>
@@ -2898,6 +2938,7 @@
               <a:rPr lang="zh-CN" altLang="en-US" dirty="0" smtClean="0"/>
               <a:t>第四级</a:t>
             </a:r>
+            <a:endParaRPr lang="zh-CN" altLang="en-US" dirty="0" smtClean="0"/>
           </a:p>
         </p:txBody>
       </p:sp>
@@ -2955,6 +2996,7 @@
               <a:rPr lang="zh-CN" altLang="en-US" dirty="0" smtClean="0"/>
               <a:t>单击此处编辑母版文本样式</a:t>
             </a:r>
+            <a:endParaRPr lang="zh-CN" altLang="en-US" dirty="0" smtClean="0"/>
           </a:p>
         </p:txBody>
       </p:sp>
@@ -3036,6 +3078,7 @@
               <a:rPr lang="zh-CN" altLang="en-US" dirty="0" smtClean="0"/>
               <a:t>单击此处编辑母版文本样式</a:t>
             </a:r>
+            <a:endParaRPr lang="zh-CN" altLang="en-US" dirty="0" smtClean="0"/>
           </a:p>
           <a:p>
             <a:pPr lvl="1"/>
@@ -3043,6 +3086,7 @@
               <a:rPr lang="zh-CN" altLang="en-US" dirty="0" smtClean="0"/>
               <a:t>第二级</a:t>
             </a:r>
+            <a:endParaRPr lang="zh-CN" altLang="en-US" dirty="0" smtClean="0"/>
           </a:p>
           <a:p>
             <a:pPr lvl="2"/>
@@ -3050,6 +3094,7 @@
               <a:rPr lang="zh-CN" altLang="en-US" dirty="0" smtClean="0"/>
               <a:t>第三级</a:t>
             </a:r>
+            <a:endParaRPr lang="zh-CN" altLang="en-US" dirty="0" smtClean="0"/>
           </a:p>
           <a:p>
             <a:pPr lvl="3"/>
@@ -3057,6 +3102,7 @@
               <a:rPr lang="zh-CN" altLang="en-US" dirty="0" smtClean="0"/>
               <a:t>第四级</a:t>
             </a:r>
+            <a:endParaRPr lang="zh-CN" altLang="en-US" dirty="0" smtClean="0"/>
           </a:p>
         </p:txBody>
       </p:sp>
@@ -3114,6 +3160,7 @@
               <a:rPr lang="zh-CN" altLang="en-US" dirty="0" smtClean="0"/>
               <a:t>单击此处编辑母版文本样式</a:t>
             </a:r>
+            <a:endParaRPr lang="zh-CN" altLang="en-US" dirty="0" smtClean="0"/>
           </a:p>
         </p:txBody>
       </p:sp>
@@ -3195,6 +3242,7 @@
               <a:rPr lang="zh-CN" altLang="en-US" dirty="0" smtClean="0"/>
               <a:t>单击此处编辑母版文本样式</a:t>
             </a:r>
+            <a:endParaRPr lang="zh-CN" altLang="en-US" dirty="0" smtClean="0"/>
           </a:p>
           <a:p>
             <a:pPr lvl="1"/>
@@ -3202,6 +3250,7 @@
               <a:rPr lang="zh-CN" altLang="en-US" dirty="0" smtClean="0"/>
               <a:t>第二级</a:t>
             </a:r>
+            <a:endParaRPr lang="zh-CN" altLang="en-US" dirty="0" smtClean="0"/>
           </a:p>
           <a:p>
             <a:pPr lvl="2"/>
@@ -3209,6 +3258,7 @@
               <a:rPr lang="zh-CN" altLang="en-US" dirty="0" smtClean="0"/>
               <a:t>第三级</a:t>
             </a:r>
+            <a:endParaRPr lang="zh-CN" altLang="en-US" dirty="0" smtClean="0"/>
           </a:p>
           <a:p>
             <a:pPr lvl="3"/>
@@ -3216,6 +3266,7 @@
               <a:rPr lang="zh-CN" altLang="en-US" dirty="0" smtClean="0"/>
               <a:t>第四级</a:t>
             </a:r>
+            <a:endParaRPr lang="zh-CN" altLang="en-US" dirty="0" smtClean="0"/>
           </a:p>
         </p:txBody>
       </p:sp>
@@ -3273,6 +3324,7 @@
               <a:rPr lang="zh-CN" altLang="en-US" dirty="0" smtClean="0"/>
               <a:t>单击此处编辑母版文本样式</a:t>
             </a:r>
+            <a:endParaRPr lang="zh-CN" altLang="en-US" dirty="0" smtClean="0"/>
           </a:p>
         </p:txBody>
       </p:sp>
@@ -3290,7 +3342,7 @@
     <p:bg bwMode="auto">
       <p:bgPr>
         <a:blipFill dpi="0" rotWithShape="0">
-          <a:blip r:embed="rId10"/>
+          <a:blip r:embed="rId9"/>
           <a:srcRect/>
           <a:stretch>
             <a:fillRect/>
@@ -3349,7 +3401,6 @@
           <a:p>
             <a:fld id="{43A45880-9E2A-43E4-955C-AEB11E14255E}" type="slidenum">
               <a:rPr lang="en-US" altLang="zh-CN"/>
-              <a:t>‹#›</a:t>
             </a:fld>
             <a:endParaRPr lang="zh-CN" altLang="zh-CN"/>
           </a:p>
@@ -3364,7 +3415,7 @@
           <p:nvPr/>
         </p:nvPicPr>
         <p:blipFill>
-          <a:blip r:embed="rId11">
+          <a:blip r:embed="rId10">
             <a:extLst>
               <a:ext uri="{28A0092B-C50C-407E-A947-70E740481C1C}">
                 <a14:useLocalDpi xmlns:a14="http://schemas.microsoft.com/office/drawing/2010/main" val="0"/>
@@ -3418,7 +3469,7 @@
           <p:nvPr/>
         </p:nvPicPr>
         <p:blipFill>
-          <a:blip r:embed="rId12">
+          <a:blip r:embed="rId11">
             <a:extLst>
               <a:ext uri="{28A0092B-C50C-407E-A947-70E740481C1C}">
                 <a14:useLocalDpi xmlns:a14="http://schemas.microsoft.com/office/drawing/2010/main" val="0"/>
@@ -3930,7 +3981,7 @@
           <p:nvPr/>
         </p:nvPicPr>
         <p:blipFill>
-          <a:blip r:embed="rId2">
+          <a:blip r:embed="rId1">
             <a:extLst>
               <a:ext uri="{28A0092B-C50C-407E-A947-70E740481C1C}">
                 <a14:useLocalDpi xmlns:a14="http://schemas.microsoft.com/office/drawing/2010/main" val="0"/>
@@ -4224,7 +4275,7 @@
           <p:nvPr/>
         </p:nvPicPr>
         <p:blipFill>
-          <a:blip r:embed="rId3">
+          <a:blip r:embed="rId2">
             <a:extLst>
               <a:ext uri="{28A0092B-C50C-407E-A947-70E740481C1C}">
                 <a14:useLocalDpi xmlns:a14="http://schemas.microsoft.com/office/drawing/2010/main" val="0"/>
@@ -4502,6 +4553,12 @@
               </a:rPr>
               <a:t>对象属性（数据属性）的特性</a:t>
             </a:r>
+            <a:endParaRPr lang="zh-CN" altLang="en-US" sz="2800" b="1">
+              <a:solidFill>
+                <a:schemeClr val="tx1"/>
+              </a:solidFill>
+              <a:sym typeface="+mn-ea"/>
+            </a:endParaRPr>
           </a:p>
           <a:p>
             <a:pPr algn="l">
@@ -4529,6 +4586,12 @@
               </a:rPr>
               <a:t>对象访问器（访问器属性）的特性</a:t>
             </a:r>
+            <a:endParaRPr lang="zh-CN" altLang="en-US" sz="2800" b="1">
+              <a:solidFill>
+                <a:srgbClr val="FF0000"/>
+              </a:solidFill>
+              <a:sym typeface="+mn-ea"/>
+            </a:endParaRPr>
           </a:p>
           <a:p>
             <a:pPr algn="l">
@@ -4884,15 +4947,6 @@
               </a:rPr>
               <a:t>对象访问器（访问器属性）的特性</a:t>
             </a:r>
-            <a:r>
-              <a:rPr kumimoji="0" lang="zh-CN" altLang="en-US" sz="2000" dirty="0" smtClean="0">
-                <a:solidFill>
-                  <a:schemeClr val="tx1"/>
-                </a:solidFill>
-                <a:sym typeface="+mn-ea"/>
-              </a:rPr>
-              <a:t/>
-            </a:r>
             <a:br>
               <a:rPr kumimoji="0" lang="zh-CN" altLang="en-US" sz="2000" dirty="0" smtClean="0">
                 <a:solidFill>
@@ -4964,15 +5018,6 @@
               </a:rPr>
               <a:t>其他特性是否可配置</a:t>
             </a:r>
-            <a:r>
-              <a:rPr kumimoji="0" lang="zh-CN" altLang="en-US" sz="2000" dirty="0" smtClean="0">
-                <a:solidFill>
-                  <a:schemeClr val="tx1"/>
-                </a:solidFill>
-                <a:sym typeface="+mn-ea"/>
-              </a:rPr>
-              <a:t/>
-            </a:r>
             <a:br>
               <a:rPr kumimoji="0" lang="zh-CN" altLang="en-US" sz="2000" dirty="0" smtClean="0">
                 <a:solidFill>
@@ -5114,15 +5159,6 @@
                 <a:sym typeface="+mn-ea"/>
               </a:rPr>
               <a:t>undefined</a:t>
-            </a:r>
-            <a:r>
-              <a:rPr kumimoji="0" lang="zh-CN" altLang="en-US" sz="2000" dirty="0" smtClean="0">
-                <a:solidFill>
-                  <a:schemeClr val="tx1"/>
-                </a:solidFill>
-                <a:sym typeface="+mn-ea"/>
-              </a:rPr>
-              <a:t/>
             </a:r>
             <a:br>
               <a:rPr kumimoji="0" lang="zh-CN" altLang="en-US" sz="2000" dirty="0" smtClean="0">
@@ -5209,15 +5245,6 @@
               </a:lnSpc>
               <a:buNone/>
             </a:pPr>
-            <a:r>
-              <a:rPr kumimoji="0" lang="zh-CN" altLang="en-US" sz="2000" dirty="0" smtClean="0">
-                <a:solidFill>
-                  <a:schemeClr val="tx1"/>
-                </a:solidFill>
-                <a:sym typeface="+mn-ea"/>
-              </a:rPr>
-              <a:t/>
-            </a:r>
             <a:br>
               <a:rPr kumimoji="0" lang="zh-CN" altLang="en-US" sz="2000" dirty="0" smtClean="0">
                 <a:solidFill>
@@ -5235,14 +5262,6 @@
               </a:rPr>
               <a:t>  </a:t>
             </a:r>
-            <a:r>
-              <a:rPr kumimoji="0" lang="zh-CN" altLang="en-US" sz="2000" dirty="0" smtClean="0">
-                <a:solidFill>
-                  <a:schemeClr val="tx1"/>
-                </a:solidFill>
-              </a:rPr>
-              <a:t/>
-            </a:r>
             <a:br>
               <a:rPr kumimoji="0" lang="zh-CN" altLang="en-US" sz="2000" dirty="0" smtClean="0">
                 <a:solidFill>
@@ -5250,14 +5269,6 @@
                 </a:solidFill>
               </a:rPr>
             </a:br>
-            <a:r>
-              <a:rPr kumimoji="0" lang="zh-CN" altLang="en-US" sz="2000" dirty="0" smtClean="0">
-                <a:solidFill>
-                  <a:schemeClr val="tx1"/>
-                </a:solidFill>
-              </a:rPr>
-              <a:t/>
-            </a:r>
             <a:br>
               <a:rPr kumimoji="0" lang="zh-CN" altLang="en-US" sz="2000" dirty="0" smtClean="0">
                 <a:solidFill>
@@ -5265,14 +5276,6 @@
                 </a:solidFill>
               </a:rPr>
             </a:br>
-            <a:r>
-              <a:rPr kumimoji="0" lang="zh-CN" altLang="en-US" sz="2000" dirty="0" smtClean="0">
-                <a:solidFill>
-                  <a:schemeClr val="tx1"/>
-                </a:solidFill>
-              </a:rPr>
-              <a:t/>
-            </a:r>
             <a:br>
               <a:rPr kumimoji="0" lang="zh-CN" altLang="en-US" sz="2000" dirty="0" smtClean="0">
                 <a:solidFill>
@@ -5280,14 +5283,6 @@
                 </a:solidFill>
               </a:rPr>
             </a:br>
-            <a:r>
-              <a:rPr kumimoji="0" lang="zh-CN" altLang="en-US" sz="2000" dirty="0" smtClean="0">
-                <a:solidFill>
-                  <a:schemeClr val="tx1"/>
-                </a:solidFill>
-              </a:rPr>
-              <a:t/>
-            </a:r>
             <a:br>
               <a:rPr kumimoji="0" lang="zh-CN" altLang="en-US" sz="2000" dirty="0" smtClean="0">
                 <a:solidFill>
@@ -5295,14 +5290,6 @@
                 </a:solidFill>
               </a:rPr>
             </a:br>
-            <a:r>
-              <a:rPr kumimoji="0" lang="zh-CN" altLang="en-US" sz="2000" dirty="0" smtClean="0">
-                <a:solidFill>
-                  <a:schemeClr val="tx1"/>
-                </a:solidFill>
-              </a:rPr>
-              <a:t/>
-            </a:r>
             <a:br>
               <a:rPr kumimoji="0" lang="zh-CN" altLang="en-US" sz="2000" dirty="0" smtClean="0">
                 <a:solidFill>
@@ -5310,14 +5297,6 @@
                 </a:solidFill>
               </a:rPr>
             </a:br>
-            <a:r>
-              <a:rPr kumimoji="0" lang="zh-CN" altLang="en-US" sz="2000" dirty="0" smtClean="0">
-                <a:solidFill>
-                  <a:schemeClr val="tx1"/>
-                </a:solidFill>
-              </a:rPr>
-              <a:t/>
-            </a:r>
             <a:br>
               <a:rPr kumimoji="0" lang="zh-CN" altLang="en-US" sz="2000" dirty="0" smtClean="0">
                 <a:solidFill>
@@ -5325,14 +5304,6 @@
                 </a:solidFill>
               </a:rPr>
             </a:br>
-            <a:r>
-              <a:rPr kumimoji="0" lang="zh-CN" altLang="en-US" sz="2000" dirty="0" smtClean="0">
-                <a:solidFill>
-                  <a:schemeClr val="tx1"/>
-                </a:solidFill>
-              </a:rPr>
-              <a:t/>
-            </a:r>
             <a:br>
               <a:rPr kumimoji="0" lang="zh-CN" altLang="en-US" sz="2000" dirty="0" smtClean="0">
                 <a:solidFill>
@@ -5340,14 +5311,6 @@
                 </a:solidFill>
               </a:rPr>
             </a:br>
-            <a:r>
-              <a:rPr kumimoji="0" lang="zh-CN" altLang="en-US" sz="2000" dirty="0" smtClean="0">
-                <a:solidFill>
-                  <a:schemeClr val="tx1"/>
-                </a:solidFill>
-              </a:rPr>
-              <a:t/>
-            </a:r>
             <a:br>
               <a:rPr kumimoji="0" lang="zh-CN" altLang="en-US" sz="2000" dirty="0" smtClean="0">
                 <a:solidFill>
@@ -5493,7 +5456,7 @@
           <p:nvPr/>
         </p:nvPicPr>
         <p:blipFill>
-          <a:blip r:embed="rId3"/>
+          <a:blip r:embed="rId1"/>
           <a:stretch>
             <a:fillRect/>
           </a:stretch>
@@ -5581,6 +5544,13 @@
               </a:rPr>
               <a:t>方法添加的写法的区别</a:t>
             </a:r>
+            <a:endParaRPr lang="zh-CN" altLang="en-US" sz="2200">
+              <a:solidFill>
+                <a:schemeClr val="tx1"/>
+              </a:solidFill>
+              <a:latin typeface="+mn-ea"/>
+              <a:ea typeface="+mn-ea"/>
+            </a:endParaRPr>
           </a:p>
         </p:txBody>
       </p:sp>
@@ -6055,15 +6025,6 @@
               </a:rPr>
               <a:t>设置访问器属性特性实例</a:t>
             </a:r>
-            <a:r>
-              <a:rPr kumimoji="0" lang="zh-CN" altLang="en-US" sz="2000" dirty="0" smtClean="0">
-                <a:solidFill>
-                  <a:schemeClr val="tx1"/>
-                </a:solidFill>
-                <a:sym typeface="+mn-ea"/>
-              </a:rPr>
-              <a:t/>
-            </a:r>
             <a:br>
               <a:rPr kumimoji="0" lang="zh-CN" altLang="en-US" sz="2000" dirty="0" smtClean="0">
                 <a:solidFill>
@@ -6072,15 +6033,6 @@
                 <a:sym typeface="+mn-ea"/>
               </a:rPr>
             </a:br>
-            <a:r>
-              <a:rPr kumimoji="0" lang="zh-CN" altLang="en-US" sz="2000" dirty="0" smtClean="0">
-                <a:solidFill>
-                  <a:schemeClr val="tx1"/>
-                </a:solidFill>
-                <a:sym typeface="+mn-ea"/>
-              </a:rPr>
-              <a:t/>
-            </a:r>
             <a:br>
               <a:rPr kumimoji="0" lang="zh-CN" altLang="en-US" sz="2000" dirty="0" smtClean="0">
                 <a:solidFill>
@@ -6098,14 +6050,6 @@
               </a:rPr>
               <a:t>  </a:t>
             </a:r>
-            <a:r>
-              <a:rPr kumimoji="0" lang="zh-CN" altLang="en-US" sz="2000" dirty="0" smtClean="0">
-                <a:solidFill>
-                  <a:schemeClr val="tx1"/>
-                </a:solidFill>
-              </a:rPr>
-              <a:t/>
-            </a:r>
             <a:br>
               <a:rPr kumimoji="0" lang="zh-CN" altLang="en-US" sz="2000" dirty="0" smtClean="0">
                 <a:solidFill>
@@ -6113,14 +6057,6 @@
                 </a:solidFill>
               </a:rPr>
             </a:br>
-            <a:r>
-              <a:rPr kumimoji="0" lang="zh-CN" altLang="en-US" sz="2000" dirty="0" smtClean="0">
-                <a:solidFill>
-                  <a:schemeClr val="tx1"/>
-                </a:solidFill>
-              </a:rPr>
-              <a:t/>
-            </a:r>
             <a:br>
               <a:rPr kumimoji="0" lang="zh-CN" altLang="en-US" sz="2000" dirty="0" smtClean="0">
                 <a:solidFill>
@@ -6128,14 +6064,6 @@
                 </a:solidFill>
               </a:rPr>
             </a:br>
-            <a:r>
-              <a:rPr kumimoji="0" lang="zh-CN" altLang="en-US" sz="2000" dirty="0" smtClean="0">
-                <a:solidFill>
-                  <a:schemeClr val="tx1"/>
-                </a:solidFill>
-              </a:rPr>
-              <a:t/>
-            </a:r>
             <a:br>
               <a:rPr kumimoji="0" lang="zh-CN" altLang="en-US" sz="2000" dirty="0" smtClean="0">
                 <a:solidFill>
@@ -6143,14 +6071,6 @@
                 </a:solidFill>
               </a:rPr>
             </a:br>
-            <a:r>
-              <a:rPr kumimoji="0" lang="zh-CN" altLang="en-US" sz="2000" dirty="0" smtClean="0">
-                <a:solidFill>
-                  <a:schemeClr val="tx1"/>
-                </a:solidFill>
-              </a:rPr>
-              <a:t/>
-            </a:r>
             <a:br>
               <a:rPr kumimoji="0" lang="zh-CN" altLang="en-US" sz="2000" dirty="0" smtClean="0">
                 <a:solidFill>
@@ -6158,14 +6078,6 @@
                 </a:solidFill>
               </a:rPr>
             </a:br>
-            <a:r>
-              <a:rPr kumimoji="0" lang="zh-CN" altLang="en-US" sz="2000" dirty="0" smtClean="0">
-                <a:solidFill>
-                  <a:schemeClr val="tx1"/>
-                </a:solidFill>
-              </a:rPr>
-              <a:t/>
-            </a:r>
             <a:br>
               <a:rPr kumimoji="0" lang="zh-CN" altLang="en-US" sz="2000" dirty="0" smtClean="0">
                 <a:solidFill>
@@ -6173,14 +6085,6 @@
                 </a:solidFill>
               </a:rPr>
             </a:br>
-            <a:r>
-              <a:rPr kumimoji="0" lang="zh-CN" altLang="en-US" sz="2000" dirty="0" smtClean="0">
-                <a:solidFill>
-                  <a:schemeClr val="tx1"/>
-                </a:solidFill>
-              </a:rPr>
-              <a:t/>
-            </a:r>
             <a:br>
               <a:rPr kumimoji="0" lang="zh-CN" altLang="en-US" sz="2000" dirty="0" smtClean="0">
                 <a:solidFill>
@@ -6188,14 +6092,6 @@
                 </a:solidFill>
               </a:rPr>
             </a:br>
-            <a:r>
-              <a:rPr kumimoji="0" lang="zh-CN" altLang="en-US" sz="2000" dirty="0" smtClean="0">
-                <a:solidFill>
-                  <a:schemeClr val="tx1"/>
-                </a:solidFill>
-              </a:rPr>
-              <a:t/>
-            </a:r>
             <a:br>
               <a:rPr kumimoji="0" lang="zh-CN" altLang="en-US" sz="2000" dirty="0" smtClean="0">
                 <a:solidFill>
@@ -6203,14 +6099,6 @@
                 </a:solidFill>
               </a:rPr>
             </a:br>
-            <a:r>
-              <a:rPr kumimoji="0" lang="zh-CN" altLang="en-US" sz="2000" dirty="0" smtClean="0">
-                <a:solidFill>
-                  <a:schemeClr val="tx1"/>
-                </a:solidFill>
-              </a:rPr>
-              <a:t/>
-            </a:r>
             <a:br>
               <a:rPr kumimoji="0" lang="zh-CN" altLang="en-US" sz="2000" dirty="0" smtClean="0">
                 <a:solidFill>
@@ -6339,6 +6227,13 @@
               </a:rPr>
               <a:t>设置访问器属性特性</a:t>
             </a:r>
+            <a:endParaRPr lang="zh-CN" altLang="en-US" sz="2200">
+              <a:solidFill>
+                <a:srgbClr val="FF0000"/>
+              </a:solidFill>
+              <a:latin typeface="+mn-ea"/>
+              <a:ea typeface="+mn-ea"/>
+            </a:endParaRPr>
           </a:p>
         </p:txBody>
       </p:sp>
@@ -6351,7 +6246,7 @@
           <p:nvPr/>
         </p:nvPicPr>
         <p:blipFill>
-          <a:blip r:embed="rId3"/>
+          <a:blip r:embed="rId1"/>
           <a:stretch>
             <a:fillRect/>
           </a:stretch>
@@ -6486,7 +6381,7 @@
                             </p:stCondLst>
                             <p:childTnLst>
                               <p:par>
-                                <p:cTn id="10" presetID="2" presetClass="entr" presetSubtype="4" fill="hold" grpId="0" nodeType="afterEffect">
+                                <p:cTn id="10" presetID="2" presetClass="entr" presetSubtype="4" fill="hold" nodeType="afterEffect">
                                   <p:stCondLst>
                                     <p:cond delay="0"/>
                                   </p:stCondLst>
@@ -6494,6 +6389,88 @@
                                     <p:set>
                                       <p:cBhvr>
                                         <p:cTn id="11" dur="1" fill="hold">
+                                          <p:stCondLst>
+                                            <p:cond delay="0"/>
+                                          </p:stCondLst>
+                                        </p:cTn>
+                                        <p:tgtEl>
+                                          <p:spTgt spid="4"/>
+                                        </p:tgtEl>
+                                        <p:attrNameLst>
+                                          <p:attrName>style.visibility</p:attrName>
+                                        </p:attrNameLst>
+                                      </p:cBhvr>
+                                      <p:to>
+                                        <p:strVal val="visible"/>
+                                      </p:to>
+                                    </p:set>
+                                    <p:anim calcmode="lin" valueType="num">
+                                      <p:cBhvr additive="base">
+                                        <p:cTn id="12" dur="500" fill="hold"/>
+                                        <p:tgtEl>
+                                          <p:spTgt spid="4"/>
+                                        </p:tgtEl>
+                                        <p:attrNameLst>
+                                          <p:attrName>ppt_x</p:attrName>
+                                        </p:attrNameLst>
+                                      </p:cBhvr>
+                                      <p:tavLst>
+                                        <p:tav tm="0">
+                                          <p:val>
+                                            <p:strVal val="#ppt_x"/>
+                                          </p:val>
+                                        </p:tav>
+                                        <p:tav tm="100000">
+                                          <p:val>
+                                            <p:strVal val="#ppt_x"/>
+                                          </p:val>
+                                        </p:tav>
+                                      </p:tavLst>
+                                    </p:anim>
+                                    <p:anim calcmode="lin" valueType="num">
+                                      <p:cBhvr additive="base">
+                                        <p:cTn id="13" dur="500" fill="hold"/>
+                                        <p:tgtEl>
+                                          <p:spTgt spid="4"/>
+                                        </p:tgtEl>
+                                        <p:attrNameLst>
+                                          <p:attrName>ppt_y</p:attrName>
+                                        </p:attrNameLst>
+                                      </p:cBhvr>
+                                      <p:tavLst>
+                                        <p:tav tm="0">
+                                          <p:val>
+                                            <p:strVal val="1+#ppt_h/2"/>
+                                          </p:val>
+                                        </p:tav>
+                                        <p:tav tm="100000">
+                                          <p:val>
+                                            <p:strVal val="#ppt_y"/>
+                                          </p:val>
+                                        </p:tav>
+                                      </p:tavLst>
+                                    </p:anim>
+                                  </p:childTnLst>
+                                </p:cTn>
+                              </p:par>
+                            </p:childTnLst>
+                          </p:cTn>
+                        </p:par>
+                        <p:par>
+                          <p:cTn id="14" fill="hold">
+                            <p:stCondLst>
+                              <p:cond delay="1000"/>
+                            </p:stCondLst>
+                            <p:childTnLst>
+                              <p:par>
+                                <p:cTn id="15" presetID="2" presetClass="entr" presetSubtype="4" fill="hold" grpId="0" nodeType="afterEffect">
+                                  <p:stCondLst>
+                                    <p:cond delay="0"/>
+                                  </p:stCondLst>
+                                  <p:childTnLst>
+                                    <p:set>
+                                      <p:cBhvr>
+                                        <p:cTn id="16" dur="1" fill="hold">
                                           <p:stCondLst>
                                             <p:cond delay="0"/>
                                           </p:stCondLst>
@@ -6511,7 +6488,7 @@
                                     </p:set>
                                     <p:anim calcmode="lin" valueType="num">
                                       <p:cBhvr additive="base">
-                                        <p:cTn id="12" dur="500" fill="hold"/>
+                                        <p:cTn id="17" dur="500" fill="hold"/>
                                         <p:tgtEl>
                                           <p:spTgt spid="6"/>
                                         </p:tgtEl>
@@ -6534,7 +6511,7 @@
                                     </p:anim>
                                     <p:anim calcmode="lin" valueType="num">
                                       <p:cBhvr additive="base">
-                                        <p:cTn id="13" dur="500" fill="hold"/>
+                                        <p:cTn id="18" dur="500" fill="hold"/>
                                         <p:tgtEl>
                                           <p:spTgt spid="6"/>
                                         </p:tgtEl>
@@ -6809,6 +6786,12 @@
               </a:rPr>
               <a:t>对象属性（数据属性）的特性</a:t>
             </a:r>
+            <a:endParaRPr lang="zh-CN" altLang="en-US" sz="2800" b="1">
+              <a:solidFill>
+                <a:schemeClr val="tx1"/>
+              </a:solidFill>
+              <a:sym typeface="+mn-ea"/>
+            </a:endParaRPr>
           </a:p>
           <a:p>
             <a:pPr algn="l">
@@ -6836,6 +6819,12 @@
               </a:rPr>
               <a:t>对象访问器（访问器属性）的特性</a:t>
             </a:r>
+            <a:endParaRPr lang="zh-CN" altLang="en-US" sz="2800" b="1">
+              <a:solidFill>
+                <a:schemeClr val="tx1"/>
+              </a:solidFill>
+              <a:sym typeface="+mn-ea"/>
+            </a:endParaRPr>
           </a:p>
           <a:p>
             <a:pPr algn="l">
@@ -6863,6 +6852,12 @@
               </a:rPr>
               <a:t>属性特性描述符及属性特性补充部分</a:t>
             </a:r>
+            <a:endParaRPr lang="zh-CN" altLang="en-US" sz="2800" b="1">
+              <a:solidFill>
+                <a:srgbClr val="FF0000"/>
+              </a:solidFill>
+              <a:sym typeface="+mn-ea"/>
+            </a:endParaRPr>
           </a:p>
         </p:txBody>
       </p:sp>
@@ -7194,25 +7189,16 @@
                 </a:solidFill>
                 <a:sym typeface="+mn-ea"/>
               </a:rPr>
-              <a:t>属性特性描述符</a:t>
+              <a:t>属性特性描述符是一个</a:t>
             </a:r>
             <a:r>
               <a:rPr kumimoji="0" lang="zh-CN" altLang="en-US" sz="2000" dirty="0" smtClean="0">
                 <a:solidFill>
-                  <a:srgbClr val="FF0000"/>
-                </a:solidFill>
-                <a:sym typeface="+mn-ea"/>
-              </a:rPr>
-              <a:t>是一个对象</a:t>
-            </a:r>
-            <a:r>
-              <a:rPr kumimoji="0" lang="zh-CN" altLang="en-US" sz="2000" dirty="0" smtClean="0">
-                <a:solidFill>
-                  <a:schemeClr val="tx1"/>
-                </a:solidFill>
-                <a:sym typeface="+mn-ea"/>
-              </a:rPr>
-              <a:t>，用来查看对象属性的特性</a:t>
+                  <a:schemeClr val="tx1"/>
+                </a:solidFill>
+                <a:sym typeface="+mn-ea"/>
+              </a:rPr>
+              <a:t>用来查看对象属性的特性的对象</a:t>
             </a:r>
             <a:br>
               <a:rPr kumimoji="0" lang="zh-CN" altLang="en-US" sz="2000" dirty="0" smtClean="0">
@@ -7302,15 +7288,6 @@
                 <a:sym typeface="+mn-ea"/>
               </a:rPr>
             </a:br>
-            <a:r>
-              <a:rPr kumimoji="0" lang="zh-CN" altLang="en-US" sz="2000" dirty="0" smtClean="0">
-                <a:solidFill>
-                  <a:schemeClr val="tx1"/>
-                </a:solidFill>
-                <a:sym typeface="+mn-ea"/>
-              </a:rPr>
-              <a:t/>
-            </a:r>
             <a:br>
               <a:rPr kumimoji="0" lang="zh-CN" altLang="en-US" sz="2000" dirty="0" smtClean="0">
                 <a:solidFill>
@@ -7328,14 +7305,6 @@
               </a:rPr>
               <a:t>  </a:t>
             </a:r>
-            <a:r>
-              <a:rPr kumimoji="0" lang="zh-CN" altLang="en-US" sz="2000" dirty="0" smtClean="0">
-                <a:solidFill>
-                  <a:schemeClr val="tx1"/>
-                </a:solidFill>
-              </a:rPr>
-              <a:t/>
-            </a:r>
             <a:br>
               <a:rPr kumimoji="0" lang="zh-CN" altLang="en-US" sz="2000" dirty="0" smtClean="0">
                 <a:solidFill>
@@ -7343,14 +7312,6 @@
                 </a:solidFill>
               </a:rPr>
             </a:br>
-            <a:r>
-              <a:rPr kumimoji="0" lang="zh-CN" altLang="en-US" sz="2000" dirty="0" smtClean="0">
-                <a:solidFill>
-                  <a:schemeClr val="tx1"/>
-                </a:solidFill>
-              </a:rPr>
-              <a:t/>
-            </a:r>
             <a:br>
               <a:rPr kumimoji="0" lang="zh-CN" altLang="en-US" sz="2000" dirty="0" smtClean="0">
                 <a:solidFill>
@@ -7358,14 +7319,6 @@
                 </a:solidFill>
               </a:rPr>
             </a:br>
-            <a:r>
-              <a:rPr kumimoji="0" lang="zh-CN" altLang="en-US" sz="2000" dirty="0" smtClean="0">
-                <a:solidFill>
-                  <a:schemeClr val="tx1"/>
-                </a:solidFill>
-              </a:rPr>
-              <a:t/>
-            </a:r>
             <a:br>
               <a:rPr kumimoji="0" lang="zh-CN" altLang="en-US" sz="2000" dirty="0" smtClean="0">
                 <a:solidFill>
@@ -7373,14 +7326,6 @@
                 </a:solidFill>
               </a:rPr>
             </a:br>
-            <a:r>
-              <a:rPr kumimoji="0" lang="zh-CN" altLang="en-US" sz="2000" dirty="0" smtClean="0">
-                <a:solidFill>
-                  <a:schemeClr val="tx1"/>
-                </a:solidFill>
-              </a:rPr>
-              <a:t/>
-            </a:r>
             <a:br>
               <a:rPr kumimoji="0" lang="zh-CN" altLang="en-US" sz="2000" dirty="0" smtClean="0">
                 <a:solidFill>
@@ -7388,14 +7333,6 @@
                 </a:solidFill>
               </a:rPr>
             </a:br>
-            <a:r>
-              <a:rPr kumimoji="0" lang="zh-CN" altLang="en-US" sz="2000" dirty="0" smtClean="0">
-                <a:solidFill>
-                  <a:schemeClr val="tx1"/>
-                </a:solidFill>
-              </a:rPr>
-              <a:t/>
-            </a:r>
             <a:br>
               <a:rPr kumimoji="0" lang="zh-CN" altLang="en-US" sz="2000" dirty="0" smtClean="0">
                 <a:solidFill>
@@ -7403,14 +7340,6 @@
                 </a:solidFill>
               </a:rPr>
             </a:br>
-            <a:r>
-              <a:rPr kumimoji="0" lang="zh-CN" altLang="en-US" sz="2000" dirty="0" smtClean="0">
-                <a:solidFill>
-                  <a:schemeClr val="tx1"/>
-                </a:solidFill>
-              </a:rPr>
-              <a:t/>
-            </a:r>
             <a:br>
               <a:rPr kumimoji="0" lang="zh-CN" altLang="en-US" sz="2000" dirty="0" smtClean="0">
                 <a:solidFill>
@@ -7418,14 +7347,6 @@
                 </a:solidFill>
               </a:rPr>
             </a:br>
-            <a:r>
-              <a:rPr kumimoji="0" lang="zh-CN" altLang="en-US" sz="2000" dirty="0" smtClean="0">
-                <a:solidFill>
-                  <a:schemeClr val="tx1"/>
-                </a:solidFill>
-              </a:rPr>
-              <a:t/>
-            </a:r>
             <a:br>
               <a:rPr kumimoji="0" lang="zh-CN" altLang="en-US" sz="2000" dirty="0" smtClean="0">
                 <a:solidFill>
@@ -7433,14 +7354,6 @@
                 </a:solidFill>
               </a:rPr>
             </a:br>
-            <a:r>
-              <a:rPr kumimoji="0" lang="zh-CN" altLang="en-US" sz="2000" dirty="0" smtClean="0">
-                <a:solidFill>
-                  <a:schemeClr val="tx1"/>
-                </a:solidFill>
-              </a:rPr>
-              <a:t/>
-            </a:r>
             <a:br>
               <a:rPr kumimoji="0" lang="zh-CN" altLang="en-US" sz="2000" dirty="0" smtClean="0">
                 <a:solidFill>
@@ -7518,6 +7431,9 @@
               </a:rPr>
               <a:t>）</a:t>
             </a:r>
+            <a:endParaRPr kumimoji="0" lang="zh-CN" altLang="en-US" dirty="0">
+              <a:sym typeface="+mn-ea"/>
+            </a:endParaRPr>
           </a:p>
         </p:txBody>
       </p:sp>
@@ -7530,7 +7446,7 @@
           <p:nvPr/>
         </p:nvPicPr>
         <p:blipFill>
-          <a:blip r:embed="rId3"/>
+          <a:blip r:embed="rId1"/>
           <a:stretch>
             <a:fillRect/>
           </a:stretch>
@@ -8009,14 +7925,6 @@
               </a:rPr>
               <a:t>给多个属性设置特性的方法（Object.defineProperties）</a:t>
             </a:r>
-            <a:r>
-              <a:rPr kumimoji="0" lang="zh-CN" altLang="en-US" sz="2000" dirty="0" smtClean="0">
-                <a:solidFill>
-                  <a:schemeClr val="tx1"/>
-                </a:solidFill>
-              </a:rPr>
-              <a:t/>
-            </a:r>
             <a:br>
               <a:rPr kumimoji="0" lang="zh-CN" altLang="en-US" sz="2000" dirty="0" smtClean="0">
                 <a:solidFill>
@@ -8078,8 +7986,9 @@
           <a:p>
             <a:r>
               <a:rPr kumimoji="0" lang="zh-CN" altLang="en-US" dirty="0"/>
-              <a:t>对象属性特性（补充部分）</a:t>
-            </a:r>
+              <a:t>对象属性特性</a:t>
+            </a:r>
+            <a:endParaRPr kumimoji="0" lang="zh-CN" altLang="en-US" dirty="0"/>
           </a:p>
         </p:txBody>
       </p:sp>
@@ -8092,7 +8001,7 @@
           <p:nvPr/>
         </p:nvPicPr>
         <p:blipFill>
-          <a:blip r:embed="rId3"/>
+          <a:blip r:embed="rId1"/>
           <a:stretch>
             <a:fillRect/>
           </a:stretch>
@@ -8171,6 +8080,12 @@
               </a:rPr>
               <a:t>给多个属性设置特性</a:t>
             </a:r>
+            <a:endParaRPr lang="zh-CN" altLang="en-US" sz="2200" dirty="0" smtClean="0">
+              <a:solidFill>
+                <a:srgbClr val="FF0000"/>
+              </a:solidFill>
+              <a:sym typeface="+mn-ea"/>
+            </a:endParaRPr>
           </a:p>
           <a:p>
             <a:pPr algn="l"/>
@@ -8206,550 +8121,6 @@
                 <a:sym typeface="+mn-ea"/>
               </a:rPr>
               <a:t>方法的第二个参数</a:t>
-            </a:r>
-          </a:p>
-        </p:txBody>
-      </p:sp>
-    </p:spTree>
-  </p:cSld>
-  <p:clrMapOvr>
-    <a:masterClrMapping/>
-  </p:clrMapOvr>
-  <p:timing>
-    <p:tnLst>
-      <p:par>
-        <p:cTn id="1" dur="indefinite" restart="never" fill="hold" nodeType="tmRoot">
-          <p:childTnLst>
-            <p:seq concurrent="1" nextAc="seek">
-              <p:cTn id="2" dur="indefinite" fill="hold" nodeType="mainSeq">
-                <p:childTnLst>
-                  <p:par>
-                    <p:cTn id="3" fill="hold">
-                      <p:stCondLst>
-                        <p:cond delay="indefinite"/>
-                      </p:stCondLst>
-                      <p:childTnLst>
-                        <p:par>
-                          <p:cTn id="4" fill="hold">
-                            <p:stCondLst>
-                              <p:cond delay="0"/>
-                            </p:stCondLst>
-                            <p:childTnLst>
-                              <p:par>
-                                <p:cTn id="5" presetID="2" presetClass="entr" presetSubtype="4" fill="hold" nodeType="clickEffect">
-                                  <p:stCondLst>
-                                    <p:cond delay="0"/>
-                                  </p:stCondLst>
-                                  <p:childTnLst>
-                                    <p:set>
-                                      <p:cBhvr>
-                                        <p:cTn id="6" dur="1" fill="hold">
-                                          <p:stCondLst>
-                                            <p:cond delay="0"/>
-                                          </p:stCondLst>
-                                        </p:cTn>
-                                        <p:tgtEl>
-                                          <p:spTgt spid="11266">
-                                            <p:txEl>
-                                              <p:pRg st="0" end="0"/>
-                                            </p:txEl>
-                                          </p:spTgt>
-                                        </p:tgtEl>
-                                        <p:attrNameLst>
-                                          <p:attrName>style.visibility</p:attrName>
-                                        </p:attrNameLst>
-                                      </p:cBhvr>
-                                      <p:to>
-                                        <p:strVal val="visible"/>
-                                      </p:to>
-                                    </p:set>
-                                    <p:anim calcmode="lin" valueType="num">
-                                      <p:cBhvr additive="base">
-                                        <p:cTn id="7" dur="500" fill="hold"/>
-                                        <p:tgtEl>
-                                          <p:spTgt spid="11266">
-                                            <p:txEl>
-                                              <p:pRg st="0" end="0"/>
-                                            </p:txEl>
-                                          </p:spTgt>
-                                        </p:tgtEl>
-                                        <p:attrNameLst>
-                                          <p:attrName>ppt_x</p:attrName>
-                                        </p:attrNameLst>
-                                      </p:cBhvr>
-                                      <p:tavLst>
-                                        <p:tav tm="0">
-                                          <p:val>
-                                            <p:strVal val="#ppt_x"/>
-                                          </p:val>
-                                        </p:tav>
-                                        <p:tav tm="100000">
-                                          <p:val>
-                                            <p:strVal val="#ppt_x"/>
-                                          </p:val>
-                                        </p:tav>
-                                      </p:tavLst>
-                                    </p:anim>
-                                    <p:anim calcmode="lin" valueType="num">
-                                      <p:cBhvr additive="base">
-                                        <p:cTn id="8" dur="500" fill="hold"/>
-                                        <p:tgtEl>
-                                          <p:spTgt spid="11266">
-                                            <p:txEl>
-                                              <p:pRg st="0" end="0"/>
-                                            </p:txEl>
-                                          </p:spTgt>
-                                        </p:tgtEl>
-                                        <p:attrNameLst>
-                                          <p:attrName>ppt_y</p:attrName>
-                                        </p:attrNameLst>
-                                      </p:cBhvr>
-                                      <p:tavLst>
-                                        <p:tav tm="0">
-                                          <p:val>
-                                            <p:strVal val="1+#ppt_h/2"/>
-                                          </p:val>
-                                        </p:tav>
-                                        <p:tav tm="100000">
-                                          <p:val>
-                                            <p:strVal val="#ppt_y"/>
-                                          </p:val>
-                                        </p:tav>
-                                      </p:tavLst>
-                                    </p:anim>
-                                  </p:childTnLst>
-                                </p:cTn>
-                              </p:par>
-                            </p:childTnLst>
-                          </p:cTn>
-                        </p:par>
-                        <p:par>
-                          <p:cTn id="9" fill="hold">
-                            <p:stCondLst>
-                              <p:cond delay="500"/>
-                            </p:stCondLst>
-                            <p:childTnLst>
-                              <p:par>
-                                <p:cTn id="10" presetID="2" presetClass="entr" presetSubtype="4" fill="hold" nodeType="afterEffect">
-                                  <p:stCondLst>
-                                    <p:cond delay="0"/>
-                                  </p:stCondLst>
-                                  <p:childTnLst>
-                                    <p:set>
-                                      <p:cBhvr>
-                                        <p:cTn id="11" dur="1" fill="hold">
-                                          <p:stCondLst>
-                                            <p:cond delay="0"/>
-                                          </p:stCondLst>
-                                        </p:cTn>
-                                        <p:tgtEl>
-                                          <p:spTgt spid="3"/>
-                                        </p:tgtEl>
-                                        <p:attrNameLst>
-                                          <p:attrName>style.visibility</p:attrName>
-                                        </p:attrNameLst>
-                                      </p:cBhvr>
-                                      <p:to>
-                                        <p:strVal val="visible"/>
-                                      </p:to>
-                                    </p:set>
-                                    <p:anim calcmode="lin" valueType="num">
-                                      <p:cBhvr additive="base">
-                                        <p:cTn id="12" dur="500" fill="hold"/>
-                                        <p:tgtEl>
-                                          <p:spTgt spid="3"/>
-                                        </p:tgtEl>
-                                        <p:attrNameLst>
-                                          <p:attrName>ppt_x</p:attrName>
-                                        </p:attrNameLst>
-                                      </p:cBhvr>
-                                      <p:tavLst>
-                                        <p:tav tm="0">
-                                          <p:val>
-                                            <p:strVal val="#ppt_x"/>
-                                          </p:val>
-                                        </p:tav>
-                                        <p:tav tm="100000">
-                                          <p:val>
-                                            <p:strVal val="#ppt_x"/>
-                                          </p:val>
-                                        </p:tav>
-                                      </p:tavLst>
-                                    </p:anim>
-                                    <p:anim calcmode="lin" valueType="num">
-                                      <p:cBhvr additive="base">
-                                        <p:cTn id="13" dur="500" fill="hold"/>
-                                        <p:tgtEl>
-                                          <p:spTgt spid="3"/>
-                                        </p:tgtEl>
-                                        <p:attrNameLst>
-                                          <p:attrName>ppt_y</p:attrName>
-                                        </p:attrNameLst>
-                                      </p:cBhvr>
-                                      <p:tavLst>
-                                        <p:tav tm="0">
-                                          <p:val>
-                                            <p:strVal val="1+#ppt_h/2"/>
-                                          </p:val>
-                                        </p:tav>
-                                        <p:tav tm="100000">
-                                          <p:val>
-                                            <p:strVal val="#ppt_y"/>
-                                          </p:val>
-                                        </p:tav>
-                                      </p:tavLst>
-                                    </p:anim>
-                                  </p:childTnLst>
-                                </p:cTn>
-                              </p:par>
-                            </p:childTnLst>
-                          </p:cTn>
-                        </p:par>
-                        <p:par>
-                          <p:cTn id="14" fill="hold">
-                            <p:stCondLst>
-                              <p:cond delay="1000"/>
-                            </p:stCondLst>
-                            <p:childTnLst>
-                              <p:par>
-                                <p:cTn id="15" presetID="2" presetClass="entr" presetSubtype="4" fill="hold" grpId="0" nodeType="afterEffect">
-                                  <p:stCondLst>
-                                    <p:cond delay="0"/>
-                                  </p:stCondLst>
-                                  <p:childTnLst>
-                                    <p:set>
-                                      <p:cBhvr>
-                                        <p:cTn id="16" dur="1" fill="hold">
-                                          <p:stCondLst>
-                                            <p:cond delay="0"/>
-                                          </p:stCondLst>
-                                        </p:cTn>
-                                        <p:tgtEl>
-                                          <p:spTgt spid="6"/>
-                                        </p:tgtEl>
-                                        <p:attrNameLst>
-                                          <p:attrName>style.visibility</p:attrName>
-                                        </p:attrNameLst>
-                                      </p:cBhvr>
-                                      <p:to>
-                                        <p:strVal val="visible"/>
-                                      </p:to>
-                                    </p:set>
-                                    <p:anim calcmode="lin" valueType="num">
-                                      <p:cBhvr additive="base">
-                                        <p:cTn id="17" dur="500" fill="hold"/>
-                                        <p:tgtEl>
-                                          <p:spTgt spid="6"/>
-                                        </p:tgtEl>
-                                        <p:attrNameLst>
-                                          <p:attrName>ppt_x</p:attrName>
-                                        </p:attrNameLst>
-                                      </p:cBhvr>
-                                      <p:tavLst>
-                                        <p:tav tm="0">
-                                          <p:val>
-                                            <p:strVal val="#ppt_x"/>
-                                          </p:val>
-                                        </p:tav>
-                                        <p:tav tm="100000">
-                                          <p:val>
-                                            <p:strVal val="#ppt_x"/>
-                                          </p:val>
-                                        </p:tav>
-                                      </p:tavLst>
-                                    </p:anim>
-                                    <p:anim calcmode="lin" valueType="num">
-                                      <p:cBhvr additive="base">
-                                        <p:cTn id="18" dur="500" fill="hold"/>
-                                        <p:tgtEl>
-                                          <p:spTgt spid="6"/>
-                                        </p:tgtEl>
-                                        <p:attrNameLst>
-                                          <p:attrName>ppt_y</p:attrName>
-                                        </p:attrNameLst>
-                                      </p:cBhvr>
-                                      <p:tavLst>
-                                        <p:tav tm="0">
-                                          <p:val>
-                                            <p:strVal val="1+#ppt_h/2"/>
-                                          </p:val>
-                                        </p:tav>
-                                        <p:tav tm="100000">
-                                          <p:val>
-                                            <p:strVal val="#ppt_y"/>
-                                          </p:val>
-                                        </p:tav>
-                                      </p:tavLst>
-                                    </p:anim>
-                                  </p:childTnLst>
-                                </p:cTn>
-                              </p:par>
-                            </p:childTnLst>
-                          </p:cTn>
-                        </p:par>
-                      </p:childTnLst>
-                    </p:cTn>
-                  </p:par>
-                </p:childTnLst>
-              </p:cTn>
-              <p:prevCondLst>
-                <p:cond evt="onPrev" delay="0">
-                  <p:tgtEl>
-                    <p:sldTgt/>
-                  </p:tgtEl>
-                </p:cond>
-              </p:prevCondLst>
-              <p:nextCondLst>
-                <p:cond evt="onNext" delay="0">
-                  <p:tgtEl>
-                    <p:sldTgt/>
-                  </p:tgtEl>
-                </p:cond>
-              </p:nextCondLst>
-            </p:seq>
-          </p:childTnLst>
-        </p:cTn>
-      </p:par>
-    </p:tnLst>
-    <p:bldLst>
-      <p:bldP spid="6" grpId="0"/>
-    </p:bldLst>
-  </p:timing>
-</p:sld>
-</file>
-
-<file path=ppt/slides/slide16.xml><?xml version="1.0" encoding="utf-8"?>
-<p:sld xmlns:a="http://schemas.openxmlformats.org/drawingml/2006/main" xmlns:r="http://schemas.openxmlformats.org/officeDocument/2006/relationships" xmlns:p="http://schemas.openxmlformats.org/presentationml/2006/main">
-  <p:cSld>
-    <p:spTree>
-      <p:nvGrpSpPr>
-        <p:cNvPr id="1" name=""/>
-        <p:cNvGrpSpPr/>
-        <p:nvPr/>
-      </p:nvGrpSpPr>
-      <p:grpSpPr>
-        <a:xfrm>
-          <a:off x="0" y="0"/>
-          <a:ext cx="0" cy="0"/>
-          <a:chOff x="0" y="0"/>
-          <a:chExt cx="0" cy="0"/>
-        </a:xfrm>
-      </p:grpSpPr>
-      <p:sp>
-        <p:nvSpPr>
-          <p:cNvPr id="11266" name="内容占位符 1"/>
-          <p:cNvSpPr>
-            <a:spLocks noGrp="1"/>
-          </p:cNvSpPr>
-          <p:nvPr>
-            <p:ph sz="quarter" idx="10"/>
-          </p:nvPr>
-        </p:nvSpPr>
-        <p:spPr bwMode="auto">
-          <a:xfrm>
-            <a:off x="947420" y="940435"/>
-            <a:ext cx="10828020" cy="5115560"/>
-          </a:xfrm>
-          <a:noFill/>
-          <a:extLst>
-            <a:ext uri="{909E8E84-426E-40DD-AFC4-6F175D3DCCD1}">
-              <a14:hiddenFill xmlns:a14="http://schemas.microsoft.com/office/drawing/2010/main">
-                <a:solidFill>
-                  <a:srgbClr val="FFFFFF"/>
-                </a:solidFill>
-              </a14:hiddenFill>
-            </a:ext>
-            <a:ext uri="{91240B29-F687-4F45-9708-019B960494DF}">
-              <a14:hiddenLine xmlns:a14="http://schemas.microsoft.com/office/drawing/2010/main" w="9525">
-                <a:solidFill>
-                  <a:srgbClr val="000000"/>
-                </a:solidFill>
-                <a:miter lim="800000"/>
-                <a:headEnd/>
-                <a:tailEnd/>
-              </a14:hiddenLine>
-            </a:ext>
-          </a:extLst>
-        </p:spPr>
-        <p:txBody>
-          <a:bodyPr vert="horz" wrap="square" lIns="91440" tIns="45720" rIns="91440" bIns="45720" numCol="1" anchor="t" anchorCtr="0" compatLnSpc="1"/>
-          <a:lstStyle/>
-          <a:p>
-            <a:pPr>
-              <a:lnSpc>
-                <a:spcPct val="130000"/>
-              </a:lnSpc>
-            </a:pPr>
-            <a:r>
-              <a:rPr kumimoji="0" lang="zh-CN" altLang="en-US" sz="3200" dirty="0" smtClean="0">
-                <a:solidFill>
-                  <a:schemeClr val="tx1"/>
-                </a:solidFill>
-                <a:sym typeface="+mn-ea"/>
-              </a:rPr>
-              <a:t>关于属性特性的继承</a:t>
-            </a:r>
-            <a:r>
-              <a:rPr kumimoji="0" lang="zh-CN" altLang="en-US" sz="2000" dirty="0" smtClean="0">
-                <a:solidFill>
-                  <a:schemeClr val="tx1"/>
-                </a:solidFill>
-              </a:rPr>
-              <a:t/>
-            </a:r>
-            <a:br>
-              <a:rPr kumimoji="0" lang="zh-CN" altLang="en-US" sz="2000" dirty="0" smtClean="0">
-                <a:solidFill>
-                  <a:schemeClr val="tx1"/>
-                </a:solidFill>
-              </a:rPr>
-            </a:br>
-            <a:endParaRPr kumimoji="0" lang="zh-CN" altLang="en-US" sz="3200" dirty="0" smtClean="0">
-              <a:solidFill>
-                <a:schemeClr val="tx1"/>
-              </a:solidFill>
-            </a:endParaRPr>
-          </a:p>
-          <a:p>
-            <a:pPr eaLnBrk="1" hangingPunct="1">
-              <a:lnSpc>
-                <a:spcPct val="150000"/>
-              </a:lnSpc>
-            </a:pPr>
-            <a:endParaRPr kumimoji="0" lang="en-US" altLang="zh-CN" sz="3600" dirty="0" smtClean="0">
-              <a:solidFill>
-                <a:schemeClr val="tx1"/>
-              </a:solidFill>
-            </a:endParaRPr>
-          </a:p>
-          <a:p>
-            <a:pPr eaLnBrk="1" hangingPunct="1">
-              <a:lnSpc>
-                <a:spcPct val="150000"/>
-              </a:lnSpc>
-            </a:pPr>
-            <a:endParaRPr kumimoji="0" lang="zh-CN" altLang="en-US" dirty="0" smtClean="0">
-              <a:solidFill>
-                <a:schemeClr val="tx1"/>
-              </a:solidFill>
-            </a:endParaRPr>
-          </a:p>
-        </p:txBody>
-      </p:sp>
-      <p:sp>
-        <p:nvSpPr>
-          <p:cNvPr id="2" name="内容占位符 1"/>
-          <p:cNvSpPr>
-            <a:spLocks noGrp="1"/>
-          </p:cNvSpPr>
-          <p:nvPr>
-            <p:ph sz="quarter" idx="11"/>
-          </p:nvPr>
-        </p:nvSpPr>
-        <p:spPr>
-          <a:xfrm>
-            <a:off x="947204" y="308698"/>
-            <a:ext cx="8191557" cy="490476"/>
-          </a:xfrm>
-        </p:spPr>
-        <p:txBody>
-          <a:bodyPr/>
-          <a:lstStyle/>
-          <a:p>
-            <a:r>
-              <a:rPr kumimoji="0" lang="zh-CN" altLang="en-US" dirty="0"/>
-              <a:t>对象属性特性（补充部分）</a:t>
-            </a:r>
-          </a:p>
-        </p:txBody>
-      </p:sp>
-      <p:pic>
-        <p:nvPicPr>
-          <p:cNvPr id="3" name="图片 2"/>
-          <p:cNvPicPr>
-            <a:picLocks noChangeAspect="1"/>
-          </p:cNvPicPr>
-          <p:nvPr/>
-        </p:nvPicPr>
-        <p:blipFill>
-          <a:blip r:embed="rId3"/>
-          <a:stretch>
-            <a:fillRect/>
-          </a:stretch>
-        </p:blipFill>
-        <p:spPr>
-          <a:xfrm>
-            <a:off x="1074420" y="1702435"/>
-            <a:ext cx="9933305" cy="3985895"/>
-          </a:xfrm>
-          <a:prstGeom prst="rect">
-            <a:avLst/>
-          </a:prstGeom>
-        </p:spPr>
-      </p:pic>
-      <p:sp>
-        <p:nvSpPr>
-          <p:cNvPr id="6" name="文本框 5"/>
-          <p:cNvSpPr txBox="1"/>
-          <p:nvPr/>
-        </p:nvSpPr>
-        <p:spPr>
-          <a:xfrm>
-            <a:off x="5928360" y="6068060"/>
-            <a:ext cx="5271135" cy="429895"/>
-          </a:xfrm>
-          <a:prstGeom prst="rect">
-            <a:avLst/>
-          </a:prstGeom>
-          <a:noFill/>
-        </p:spPr>
-        <p:txBody>
-          <a:bodyPr wrap="square" rtlCol="0">
-            <a:spAutoFit/>
-          </a:bodyPr>
-          <a:lstStyle/>
-          <a:p>
-            <a:pPr algn="l"/>
-            <a:r>
-              <a:rPr lang="zh-CN" altLang="en-US" sz="2200">
-                <a:solidFill>
-                  <a:srgbClr val="FF0000"/>
-                </a:solidFill>
-                <a:latin typeface="+mn-ea"/>
-                <a:ea typeface="+mn-ea"/>
-                <a:sym typeface="+mn-ea"/>
-              </a:rPr>
-              <a:t>参见实例</a:t>
-            </a:r>
-            <a:r>
-              <a:rPr lang="en-US" altLang="zh-CN" sz="2200">
-                <a:solidFill>
-                  <a:srgbClr val="FF0000"/>
-                </a:solidFill>
-                <a:latin typeface="+mn-ea"/>
-                <a:ea typeface="+mn-ea"/>
-                <a:sym typeface="+mn-ea"/>
-              </a:rPr>
-              <a:t>demo14</a:t>
-            </a:r>
-            <a:r>
-              <a:rPr lang="en-US" altLang="zh-CN" sz="2200">
-                <a:solidFill>
-                  <a:srgbClr val="FF0000"/>
-                </a:solidFill>
-                <a:latin typeface="+mn-ea"/>
-                <a:ea typeface="+mn-ea"/>
-              </a:rPr>
-              <a:t> </a:t>
-            </a:r>
-            <a:r>
-              <a:rPr lang="zh-CN" altLang="en-US" sz="2200" dirty="0" smtClean="0">
-                <a:solidFill>
-                  <a:srgbClr val="FF0000"/>
-                </a:solidFill>
-                <a:sym typeface="+mn-ea"/>
-              </a:rPr>
-              <a:t>关于属性特性的继承</a:t>
             </a:r>
             <a:endParaRPr lang="zh-CN" altLang="en-US" sz="2200" dirty="0" smtClean="0">
               <a:solidFill>
@@ -9070,6 +8441,551 @@
 </p:sld>
 </file>
 
+<file path=ppt/slides/slide16.xml><?xml version="1.0" encoding="utf-8"?>
+<p:sld xmlns:a="http://schemas.openxmlformats.org/drawingml/2006/main" xmlns:r="http://schemas.openxmlformats.org/officeDocument/2006/relationships" xmlns:p="http://schemas.openxmlformats.org/presentationml/2006/main">
+  <p:cSld>
+    <p:spTree>
+      <p:nvGrpSpPr>
+        <p:cNvPr id="1" name=""/>
+        <p:cNvGrpSpPr/>
+        <p:nvPr/>
+      </p:nvGrpSpPr>
+      <p:grpSpPr>
+        <a:xfrm>
+          <a:off x="0" y="0"/>
+          <a:ext cx="0" cy="0"/>
+          <a:chOff x="0" y="0"/>
+          <a:chExt cx="0" cy="0"/>
+        </a:xfrm>
+      </p:grpSpPr>
+      <p:sp>
+        <p:nvSpPr>
+          <p:cNvPr id="11266" name="内容占位符 1"/>
+          <p:cNvSpPr>
+            <a:spLocks noGrp="1"/>
+          </p:cNvSpPr>
+          <p:nvPr>
+            <p:ph sz="quarter" idx="10"/>
+          </p:nvPr>
+        </p:nvSpPr>
+        <p:spPr bwMode="auto">
+          <a:xfrm>
+            <a:off x="947420" y="940435"/>
+            <a:ext cx="10828020" cy="5115560"/>
+          </a:xfrm>
+          <a:noFill/>
+          <a:extLst>
+            <a:ext uri="{909E8E84-426E-40DD-AFC4-6F175D3DCCD1}">
+              <a14:hiddenFill xmlns:a14="http://schemas.microsoft.com/office/drawing/2010/main">
+                <a:solidFill>
+                  <a:srgbClr val="FFFFFF"/>
+                </a:solidFill>
+              </a14:hiddenFill>
+            </a:ext>
+            <a:ext uri="{91240B29-F687-4F45-9708-019B960494DF}">
+              <a14:hiddenLine xmlns:a14="http://schemas.microsoft.com/office/drawing/2010/main" w="9525">
+                <a:solidFill>
+                  <a:srgbClr val="000000"/>
+                </a:solidFill>
+                <a:miter lim="800000"/>
+                <a:headEnd/>
+                <a:tailEnd/>
+              </a14:hiddenLine>
+            </a:ext>
+          </a:extLst>
+        </p:spPr>
+        <p:txBody>
+          <a:bodyPr vert="horz" wrap="square" lIns="91440" tIns="45720" rIns="91440" bIns="45720" numCol="1" anchor="t" anchorCtr="0" compatLnSpc="1"/>
+          <a:lstStyle/>
+          <a:p>
+            <a:pPr>
+              <a:lnSpc>
+                <a:spcPct val="130000"/>
+              </a:lnSpc>
+            </a:pPr>
+            <a:r>
+              <a:rPr kumimoji="0" lang="zh-CN" altLang="en-US" sz="3200" dirty="0" smtClean="0">
+                <a:solidFill>
+                  <a:schemeClr val="tx1"/>
+                </a:solidFill>
+                <a:sym typeface="+mn-ea"/>
+              </a:rPr>
+              <a:t>关于属性特性的继承</a:t>
+            </a:r>
+            <a:br>
+              <a:rPr kumimoji="0" lang="zh-CN" altLang="en-US" sz="2000" dirty="0" smtClean="0">
+                <a:solidFill>
+                  <a:schemeClr val="tx1"/>
+                </a:solidFill>
+              </a:rPr>
+            </a:br>
+            <a:endParaRPr kumimoji="0" lang="zh-CN" altLang="en-US" sz="3200" dirty="0" smtClean="0">
+              <a:solidFill>
+                <a:schemeClr val="tx1"/>
+              </a:solidFill>
+            </a:endParaRPr>
+          </a:p>
+          <a:p>
+            <a:pPr eaLnBrk="1" hangingPunct="1">
+              <a:lnSpc>
+                <a:spcPct val="150000"/>
+              </a:lnSpc>
+            </a:pPr>
+            <a:endParaRPr kumimoji="0" lang="en-US" altLang="zh-CN" sz="3600" dirty="0" smtClean="0">
+              <a:solidFill>
+                <a:schemeClr val="tx1"/>
+              </a:solidFill>
+            </a:endParaRPr>
+          </a:p>
+          <a:p>
+            <a:pPr eaLnBrk="1" hangingPunct="1">
+              <a:lnSpc>
+                <a:spcPct val="150000"/>
+              </a:lnSpc>
+            </a:pPr>
+            <a:endParaRPr kumimoji="0" lang="zh-CN" altLang="en-US" dirty="0" smtClean="0">
+              <a:solidFill>
+                <a:schemeClr val="tx1"/>
+              </a:solidFill>
+            </a:endParaRPr>
+          </a:p>
+        </p:txBody>
+      </p:sp>
+      <p:sp>
+        <p:nvSpPr>
+          <p:cNvPr id="2" name="内容占位符 1"/>
+          <p:cNvSpPr>
+            <a:spLocks noGrp="1"/>
+          </p:cNvSpPr>
+          <p:nvPr>
+            <p:ph sz="quarter" idx="11"/>
+          </p:nvPr>
+        </p:nvSpPr>
+        <p:spPr>
+          <a:xfrm>
+            <a:off x="947204" y="308698"/>
+            <a:ext cx="8191557" cy="490476"/>
+          </a:xfrm>
+        </p:spPr>
+        <p:txBody>
+          <a:bodyPr/>
+          <a:lstStyle/>
+          <a:p>
+            <a:r>
+              <a:rPr kumimoji="0" lang="zh-CN" altLang="en-US" dirty="0"/>
+              <a:t>对象属性特性（补充部分）</a:t>
+            </a:r>
+            <a:endParaRPr kumimoji="0" lang="zh-CN" altLang="en-US" dirty="0"/>
+          </a:p>
+        </p:txBody>
+      </p:sp>
+      <p:pic>
+        <p:nvPicPr>
+          <p:cNvPr id="3" name="图片 2"/>
+          <p:cNvPicPr>
+            <a:picLocks noChangeAspect="1"/>
+          </p:cNvPicPr>
+          <p:nvPr/>
+        </p:nvPicPr>
+        <p:blipFill>
+          <a:blip r:embed="rId1"/>
+          <a:stretch>
+            <a:fillRect/>
+          </a:stretch>
+        </p:blipFill>
+        <p:spPr>
+          <a:xfrm>
+            <a:off x="1074420" y="1702435"/>
+            <a:ext cx="9933305" cy="3985895"/>
+          </a:xfrm>
+          <a:prstGeom prst="rect">
+            <a:avLst/>
+          </a:prstGeom>
+        </p:spPr>
+      </p:pic>
+      <p:sp>
+        <p:nvSpPr>
+          <p:cNvPr id="6" name="文本框 5"/>
+          <p:cNvSpPr txBox="1"/>
+          <p:nvPr/>
+        </p:nvSpPr>
+        <p:spPr>
+          <a:xfrm>
+            <a:off x="5928360" y="6068060"/>
+            <a:ext cx="5271135" cy="429895"/>
+          </a:xfrm>
+          <a:prstGeom prst="rect">
+            <a:avLst/>
+          </a:prstGeom>
+          <a:noFill/>
+        </p:spPr>
+        <p:txBody>
+          <a:bodyPr wrap="square" rtlCol="0">
+            <a:spAutoFit/>
+          </a:bodyPr>
+          <a:lstStyle/>
+          <a:p>
+            <a:pPr algn="l"/>
+            <a:r>
+              <a:rPr lang="zh-CN" altLang="en-US" sz="2200">
+                <a:solidFill>
+                  <a:srgbClr val="FF0000"/>
+                </a:solidFill>
+                <a:latin typeface="+mn-ea"/>
+                <a:ea typeface="+mn-ea"/>
+                <a:sym typeface="+mn-ea"/>
+              </a:rPr>
+              <a:t>参见实例</a:t>
+            </a:r>
+            <a:r>
+              <a:rPr lang="en-US" altLang="zh-CN" sz="2200">
+                <a:solidFill>
+                  <a:srgbClr val="FF0000"/>
+                </a:solidFill>
+                <a:latin typeface="+mn-ea"/>
+                <a:ea typeface="+mn-ea"/>
+                <a:sym typeface="+mn-ea"/>
+              </a:rPr>
+              <a:t>demo14</a:t>
+            </a:r>
+            <a:r>
+              <a:rPr lang="en-US" altLang="zh-CN" sz="2200">
+                <a:solidFill>
+                  <a:srgbClr val="FF0000"/>
+                </a:solidFill>
+                <a:latin typeface="+mn-ea"/>
+                <a:ea typeface="+mn-ea"/>
+              </a:rPr>
+              <a:t> </a:t>
+            </a:r>
+            <a:r>
+              <a:rPr lang="zh-CN" altLang="en-US" sz="2200" dirty="0" smtClean="0">
+                <a:solidFill>
+                  <a:srgbClr val="FF0000"/>
+                </a:solidFill>
+                <a:sym typeface="+mn-ea"/>
+              </a:rPr>
+              <a:t>关于属性特性的继承</a:t>
+            </a:r>
+            <a:endParaRPr lang="zh-CN" altLang="en-US" sz="2200" dirty="0" smtClean="0">
+              <a:solidFill>
+                <a:srgbClr val="FF0000"/>
+              </a:solidFill>
+              <a:latin typeface="+mn-ea"/>
+              <a:ea typeface="+mn-ea"/>
+              <a:sym typeface="+mn-ea"/>
+            </a:endParaRPr>
+          </a:p>
+        </p:txBody>
+      </p:sp>
+    </p:spTree>
+  </p:cSld>
+  <p:clrMapOvr>
+    <a:masterClrMapping/>
+  </p:clrMapOvr>
+  <p:timing>
+    <p:tnLst>
+      <p:par>
+        <p:cTn id="1" dur="indefinite" restart="never" fill="hold" nodeType="tmRoot">
+          <p:childTnLst>
+            <p:seq concurrent="1" nextAc="seek">
+              <p:cTn id="2" dur="indefinite" fill="hold" nodeType="mainSeq">
+                <p:childTnLst>
+                  <p:par>
+                    <p:cTn id="3" fill="hold">
+                      <p:stCondLst>
+                        <p:cond delay="indefinite"/>
+                      </p:stCondLst>
+                      <p:childTnLst>
+                        <p:par>
+                          <p:cTn id="4" fill="hold">
+                            <p:stCondLst>
+                              <p:cond delay="0"/>
+                            </p:stCondLst>
+                            <p:childTnLst>
+                              <p:par>
+                                <p:cTn id="5" presetID="2" presetClass="entr" presetSubtype="4" fill="hold" nodeType="clickEffect">
+                                  <p:stCondLst>
+                                    <p:cond delay="0"/>
+                                  </p:stCondLst>
+                                  <p:childTnLst>
+                                    <p:set>
+                                      <p:cBhvr>
+                                        <p:cTn id="6" dur="1" fill="hold">
+                                          <p:stCondLst>
+                                            <p:cond delay="0"/>
+                                          </p:stCondLst>
+                                        </p:cTn>
+                                        <p:tgtEl>
+                                          <p:spTgt spid="11266">
+                                            <p:txEl>
+                                              <p:pRg st="0" end="0"/>
+                                            </p:txEl>
+                                          </p:spTgt>
+                                        </p:tgtEl>
+                                        <p:attrNameLst>
+                                          <p:attrName>style.visibility</p:attrName>
+                                        </p:attrNameLst>
+                                      </p:cBhvr>
+                                      <p:to>
+                                        <p:strVal val="visible"/>
+                                      </p:to>
+                                    </p:set>
+                                    <p:anim calcmode="lin" valueType="num">
+                                      <p:cBhvr additive="base">
+                                        <p:cTn id="7" dur="500" fill="hold"/>
+                                        <p:tgtEl>
+                                          <p:spTgt spid="11266">
+                                            <p:txEl>
+                                              <p:pRg st="0" end="0"/>
+                                            </p:txEl>
+                                          </p:spTgt>
+                                        </p:tgtEl>
+                                        <p:attrNameLst>
+                                          <p:attrName>ppt_x</p:attrName>
+                                        </p:attrNameLst>
+                                      </p:cBhvr>
+                                      <p:tavLst>
+                                        <p:tav tm="0">
+                                          <p:val>
+                                            <p:strVal val="#ppt_x"/>
+                                          </p:val>
+                                        </p:tav>
+                                        <p:tav tm="100000">
+                                          <p:val>
+                                            <p:strVal val="#ppt_x"/>
+                                          </p:val>
+                                        </p:tav>
+                                      </p:tavLst>
+                                    </p:anim>
+                                    <p:anim calcmode="lin" valueType="num">
+                                      <p:cBhvr additive="base">
+                                        <p:cTn id="8" dur="500" fill="hold"/>
+                                        <p:tgtEl>
+                                          <p:spTgt spid="11266">
+                                            <p:txEl>
+                                              <p:pRg st="0" end="0"/>
+                                            </p:txEl>
+                                          </p:spTgt>
+                                        </p:tgtEl>
+                                        <p:attrNameLst>
+                                          <p:attrName>ppt_y</p:attrName>
+                                        </p:attrNameLst>
+                                      </p:cBhvr>
+                                      <p:tavLst>
+                                        <p:tav tm="0">
+                                          <p:val>
+                                            <p:strVal val="1+#ppt_h/2"/>
+                                          </p:val>
+                                        </p:tav>
+                                        <p:tav tm="100000">
+                                          <p:val>
+                                            <p:strVal val="#ppt_y"/>
+                                          </p:val>
+                                        </p:tav>
+                                      </p:tavLst>
+                                    </p:anim>
+                                  </p:childTnLst>
+                                </p:cTn>
+                              </p:par>
+                            </p:childTnLst>
+                          </p:cTn>
+                        </p:par>
+                        <p:par>
+                          <p:cTn id="9" fill="hold">
+                            <p:stCondLst>
+                              <p:cond delay="500"/>
+                            </p:stCondLst>
+                            <p:childTnLst>
+                              <p:par>
+                                <p:cTn id="10" presetID="2" presetClass="entr" presetSubtype="4" fill="hold" nodeType="afterEffect">
+                                  <p:stCondLst>
+                                    <p:cond delay="0"/>
+                                  </p:stCondLst>
+                                  <p:childTnLst>
+                                    <p:set>
+                                      <p:cBhvr>
+                                        <p:cTn id="11" dur="1" fill="hold">
+                                          <p:stCondLst>
+                                            <p:cond delay="0"/>
+                                          </p:stCondLst>
+                                        </p:cTn>
+                                        <p:tgtEl>
+                                          <p:spTgt spid="3"/>
+                                        </p:tgtEl>
+                                        <p:attrNameLst>
+                                          <p:attrName>style.visibility</p:attrName>
+                                        </p:attrNameLst>
+                                      </p:cBhvr>
+                                      <p:to>
+                                        <p:strVal val="visible"/>
+                                      </p:to>
+                                    </p:set>
+                                    <p:anim calcmode="lin" valueType="num">
+                                      <p:cBhvr additive="base">
+                                        <p:cTn id="12" dur="500" fill="hold"/>
+                                        <p:tgtEl>
+                                          <p:spTgt spid="3"/>
+                                        </p:tgtEl>
+                                        <p:attrNameLst>
+                                          <p:attrName>ppt_x</p:attrName>
+                                        </p:attrNameLst>
+                                      </p:cBhvr>
+                                      <p:tavLst>
+                                        <p:tav tm="0">
+                                          <p:val>
+                                            <p:strVal val="#ppt_x"/>
+                                          </p:val>
+                                        </p:tav>
+                                        <p:tav tm="100000">
+                                          <p:val>
+                                            <p:strVal val="#ppt_x"/>
+                                          </p:val>
+                                        </p:tav>
+                                      </p:tavLst>
+                                    </p:anim>
+                                    <p:anim calcmode="lin" valueType="num">
+                                      <p:cBhvr additive="base">
+                                        <p:cTn id="13" dur="500" fill="hold"/>
+                                        <p:tgtEl>
+                                          <p:spTgt spid="3"/>
+                                        </p:tgtEl>
+                                        <p:attrNameLst>
+                                          <p:attrName>ppt_y</p:attrName>
+                                        </p:attrNameLst>
+                                      </p:cBhvr>
+                                      <p:tavLst>
+                                        <p:tav tm="0">
+                                          <p:val>
+                                            <p:strVal val="1+#ppt_h/2"/>
+                                          </p:val>
+                                        </p:tav>
+                                        <p:tav tm="100000">
+                                          <p:val>
+                                            <p:strVal val="#ppt_y"/>
+                                          </p:val>
+                                        </p:tav>
+                                      </p:tavLst>
+                                    </p:anim>
+                                  </p:childTnLst>
+                                </p:cTn>
+                              </p:par>
+                            </p:childTnLst>
+                          </p:cTn>
+                        </p:par>
+                        <p:par>
+                          <p:cTn id="14" fill="hold">
+                            <p:stCondLst>
+                              <p:cond delay="1000"/>
+                            </p:stCondLst>
+                            <p:childTnLst>
+                              <p:par>
+                                <p:cTn id="15" presetID="2" presetClass="entr" presetSubtype="4" fill="hold" grpId="0" nodeType="afterEffect">
+                                  <p:stCondLst>
+                                    <p:cond delay="0"/>
+                                  </p:stCondLst>
+                                  <p:childTnLst>
+                                    <p:set>
+                                      <p:cBhvr>
+                                        <p:cTn id="16" dur="1" fill="hold">
+                                          <p:stCondLst>
+                                            <p:cond delay="0"/>
+                                          </p:stCondLst>
+                                        </p:cTn>
+                                        <p:tgtEl>
+                                          <p:spTgt spid="6"/>
+                                        </p:tgtEl>
+                                        <p:attrNameLst>
+                                          <p:attrName>style.visibility</p:attrName>
+                                        </p:attrNameLst>
+                                      </p:cBhvr>
+                                      <p:to>
+                                        <p:strVal val="visible"/>
+                                      </p:to>
+                                    </p:set>
+                                    <p:anim calcmode="lin" valueType="num">
+                                      <p:cBhvr additive="base">
+                                        <p:cTn id="17" dur="500" fill="hold"/>
+                                        <p:tgtEl>
+                                          <p:spTgt spid="6"/>
+                                        </p:tgtEl>
+                                        <p:attrNameLst>
+                                          <p:attrName>ppt_x</p:attrName>
+                                        </p:attrNameLst>
+                                      </p:cBhvr>
+                                      <p:tavLst>
+                                        <p:tav tm="0">
+                                          <p:val>
+                                            <p:strVal val="#ppt_x"/>
+                                          </p:val>
+                                        </p:tav>
+                                        <p:tav tm="100000">
+                                          <p:val>
+                                            <p:strVal val="#ppt_x"/>
+                                          </p:val>
+                                        </p:tav>
+                                      </p:tavLst>
+                                    </p:anim>
+                                    <p:anim calcmode="lin" valueType="num">
+                                      <p:cBhvr additive="base">
+                                        <p:cTn id="18" dur="500" fill="hold"/>
+                                        <p:tgtEl>
+                                          <p:spTgt spid="6"/>
+                                        </p:tgtEl>
+                                        <p:attrNameLst>
+                                          <p:attrName>ppt_y</p:attrName>
+                                        </p:attrNameLst>
+                                      </p:cBhvr>
+                                      <p:tavLst>
+                                        <p:tav tm="0">
+                                          <p:val>
+                                            <p:strVal val="1+#ppt_h/2"/>
+                                          </p:val>
+                                        </p:tav>
+                                        <p:tav tm="100000">
+                                          <p:val>
+                                            <p:strVal val="#ppt_y"/>
+                                          </p:val>
+                                        </p:tav>
+                                      </p:tavLst>
+                                    </p:anim>
+                                  </p:childTnLst>
+                                </p:cTn>
+                              </p:par>
+                            </p:childTnLst>
+                          </p:cTn>
+                        </p:par>
+                      </p:childTnLst>
+                    </p:cTn>
+                  </p:par>
+                </p:childTnLst>
+              </p:cTn>
+              <p:prevCondLst>
+                <p:cond evt="onPrev" delay="0">
+                  <p:tgtEl>
+                    <p:sldTgt/>
+                  </p:tgtEl>
+                </p:cond>
+              </p:prevCondLst>
+              <p:nextCondLst>
+                <p:cond evt="onNext" delay="0">
+                  <p:tgtEl>
+                    <p:sldTgt/>
+                  </p:tgtEl>
+                </p:cond>
+              </p:nextCondLst>
+            </p:seq>
+          </p:childTnLst>
+        </p:cTn>
+      </p:par>
+    </p:tnLst>
+    <p:bldLst>
+      <p:bldP spid="6" grpId="0"/>
+    </p:bldLst>
+  </p:timing>
+</p:sld>
+</file>
+
 <file path=ppt/slides/slide17.xml><?xml version="1.0" encoding="utf-8"?>
 <p:sld xmlns:a="http://schemas.openxmlformats.org/drawingml/2006/main" xmlns:r="http://schemas.openxmlformats.org/officeDocument/2006/relationships" xmlns:p="http://schemas.openxmlformats.org/presentationml/2006/main">
   <p:cSld>
@@ -9150,15 +9066,6 @@
               </a:rPr>
               <a:t>与属性和属性特性相关的方法</a:t>
             </a:r>
-            <a:r>
-              <a:rPr kumimoji="0" lang="zh-CN" altLang="en-US" sz="2000" dirty="0" smtClean="0">
-                <a:solidFill>
-                  <a:schemeClr val="tx1"/>
-                </a:solidFill>
-                <a:sym typeface="+mn-ea"/>
-              </a:rPr>
-              <a:t/>
-            </a:r>
             <a:br>
               <a:rPr kumimoji="0" lang="zh-CN" altLang="en-US" sz="2000" dirty="0" smtClean="0">
                 <a:solidFill>
@@ -9202,15 +9109,6 @@
                 <a:sym typeface="+mn-ea"/>
               </a:rPr>
               <a:t>区别：是否包含可遍历的属性</a:t>
-            </a:r>
-            <a:r>
-              <a:rPr kumimoji="0" lang="en-US" altLang="zh-CN" sz="2000" dirty="0" smtClean="0">
-                <a:solidFill>
-                  <a:schemeClr val="tx1"/>
-                </a:solidFill>
-                <a:sym typeface="+mn-ea"/>
-              </a:rPr>
-              <a:t/>
             </a:r>
             <a:br>
               <a:rPr kumimoji="0" lang="en-US" altLang="zh-CN" sz="2000" dirty="0" smtClean="0">
@@ -9487,15 +9385,6 @@
               </a:rPr>
               <a:t>限制添加新属性</a:t>
             </a:r>
-            <a:r>
-              <a:rPr kumimoji="0" lang="en-US" altLang="zh-CN" sz="2000" dirty="0" smtClean="0">
-                <a:solidFill>
-                  <a:schemeClr val="tx1"/>
-                </a:solidFill>
-                <a:sym typeface="+mn-ea"/>
-              </a:rPr>
-              <a:t/>
-            </a:r>
             <a:br>
               <a:rPr kumimoji="0" lang="en-US" altLang="zh-CN" sz="2000" dirty="0" smtClean="0">
                 <a:solidFill>
@@ -9593,15 +9482,6 @@
                 <a:sym typeface="+mn-ea"/>
               </a:rPr>
               <a:t>限制可配置属性特性</a:t>
-            </a:r>
-            <a:r>
-              <a:rPr kumimoji="0" lang="en-US" altLang="zh-CN" sz="2000" dirty="0" smtClean="0">
-                <a:solidFill>
-                  <a:srgbClr val="FF0000"/>
-                </a:solidFill>
-                <a:sym typeface="+mn-ea"/>
-              </a:rPr>
-              <a:t/>
             </a:r>
             <a:br>
               <a:rPr kumimoji="0" lang="en-US" altLang="zh-CN" sz="2000" dirty="0" smtClean="0">
@@ -9744,8 +9624,9 @@
           <a:p>
             <a:r>
               <a:rPr kumimoji="0" lang="zh-CN" altLang="en-US" dirty="0"/>
-              <a:t>对象属性特性（补充部分）</a:t>
-            </a:r>
+              <a:t>对象属性特性</a:t>
+            </a:r>
+            <a:endParaRPr kumimoji="0" lang="zh-CN" altLang="en-US" dirty="0"/>
           </a:p>
         </p:txBody>
       </p:sp>
@@ -9859,6 +9740,14 @@
               </a:rPr>
               <a:t>参考链接：https://segmentfault.com/a/1190000003894119</a:t>
             </a:r>
+            <a:endParaRPr lang="zh-CN" sz="2200" dirty="0" smtClean="0">
+              <a:solidFill>
+                <a:schemeClr val="tx1"/>
+              </a:solidFill>
+              <a:latin typeface="+mn-ea"/>
+              <a:ea typeface="+mn-ea"/>
+              <a:sym typeface="+mn-ea"/>
+            </a:endParaRPr>
           </a:p>
         </p:txBody>
       </p:sp>
@@ -10459,7 +10348,7 @@
           <p:nvPr/>
         </p:nvPicPr>
         <p:blipFill>
-          <a:blip r:embed="rId2">
+          <a:blip r:embed="rId1">
             <a:extLst>
               <a:ext uri="{28A0092B-C50C-407E-A947-70E740481C1C}">
                 <a14:useLocalDpi xmlns:a14="http://schemas.microsoft.com/office/drawing/2010/main" val="0"/>
@@ -10577,7 +10466,7 @@
           <p:nvPr/>
         </p:nvPicPr>
         <p:blipFill>
-          <a:blip r:embed="rId3">
+          <a:blip r:embed="rId2">
             <a:extLst>
               <a:ext uri="{28A0092B-C50C-407E-A947-70E740481C1C}">
                 <a14:useLocalDpi xmlns:a14="http://schemas.microsoft.com/office/drawing/2010/main" val="0"/>
@@ -10824,6 +10713,11 @@
               </a:rPr>
               <a:t>对象属性特性简介</a:t>
             </a:r>
+            <a:endParaRPr lang="zh-CN" altLang="en-US" sz="2800" b="1">
+              <a:solidFill>
+                <a:schemeClr val="accent3"/>
+              </a:solidFill>
+            </a:endParaRPr>
           </a:p>
           <a:p>
             <a:pPr algn="l">
@@ -10851,6 +10745,12 @@
               </a:rPr>
               <a:t>对象属性（数据属性）的特性</a:t>
             </a:r>
+            <a:endParaRPr lang="zh-CN" altLang="en-US" sz="2800" b="1">
+              <a:solidFill>
+                <a:schemeClr val="tx1"/>
+              </a:solidFill>
+              <a:sym typeface="+mn-ea"/>
+            </a:endParaRPr>
           </a:p>
           <a:p>
             <a:pPr algn="l">
@@ -10878,6 +10778,12 @@
               </a:rPr>
               <a:t>对象访问器（访问器属性）的特性</a:t>
             </a:r>
+            <a:endParaRPr lang="zh-CN" altLang="en-US" sz="2800" b="1">
+              <a:solidFill>
+                <a:schemeClr val="tx1"/>
+              </a:solidFill>
+              <a:sym typeface="+mn-ea"/>
+            </a:endParaRPr>
           </a:p>
           <a:p>
             <a:pPr algn="l">
@@ -11232,15 +11138,6 @@
               </a:rPr>
               <a:t>对象知识回顾</a:t>
             </a:r>
-            <a:r>
-              <a:rPr kumimoji="0" lang="zh-CN" altLang="en-US" sz="3200" dirty="0" smtClean="0">
-                <a:solidFill>
-                  <a:schemeClr val="accent3"/>
-                </a:solidFill>
-                <a:sym typeface="+mn-ea"/>
-              </a:rPr>
-              <a:t/>
-            </a:r>
             <a:br>
               <a:rPr kumimoji="0" lang="zh-CN" altLang="en-US" sz="3200" dirty="0" smtClean="0">
                 <a:solidFill>
@@ -11285,15 +11182,6 @@
               </a:rPr>
               <a:t>（数据属性、访问器属性、内部属性）</a:t>
             </a:r>
-            <a:r>
-              <a:rPr kumimoji="0" lang="zh-CN" altLang="en-US" sz="3200" dirty="0" smtClean="0">
-                <a:solidFill>
-                  <a:schemeClr val="accent3"/>
-                </a:solidFill>
-                <a:sym typeface="+mn-ea"/>
-              </a:rPr>
-              <a:t/>
-            </a:r>
             <a:br>
               <a:rPr kumimoji="0" lang="zh-CN" altLang="en-US" sz="3200" dirty="0" smtClean="0">
                 <a:solidFill>
@@ -11401,14 +11289,6 @@
               </a:rPr>
               <a:t>实例化对象</a:t>
             </a:r>
-            <a:r>
-              <a:rPr kumimoji="0" lang="zh-CN" altLang="en-US" sz="2000" dirty="0" smtClean="0">
-                <a:solidFill>
-                  <a:schemeClr val="tx1"/>
-                </a:solidFill>
-              </a:rPr>
-              <a:t/>
-            </a:r>
             <a:br>
               <a:rPr kumimoji="0" lang="zh-CN" altLang="en-US" sz="2000" dirty="0" smtClean="0">
                 <a:solidFill>
@@ -11416,14 +11296,6 @@
                 </a:solidFill>
               </a:rPr>
             </a:br>
-            <a:r>
-              <a:rPr kumimoji="0" lang="zh-CN" altLang="en-US" sz="2000" dirty="0" smtClean="0">
-                <a:solidFill>
-                  <a:schemeClr val="tx1"/>
-                </a:solidFill>
-              </a:rPr>
-              <a:t/>
-            </a:r>
             <a:br>
               <a:rPr kumimoji="0" lang="zh-CN" altLang="en-US" sz="2000" dirty="0" smtClean="0">
                 <a:solidFill>
@@ -11431,14 +11303,6 @@
                 </a:solidFill>
               </a:rPr>
             </a:br>
-            <a:r>
-              <a:rPr kumimoji="0" lang="zh-CN" altLang="en-US" sz="2000" dirty="0" smtClean="0">
-                <a:solidFill>
-                  <a:schemeClr val="tx1"/>
-                </a:solidFill>
-              </a:rPr>
-              <a:t/>
-            </a:r>
             <a:br>
               <a:rPr kumimoji="0" lang="zh-CN" altLang="en-US" sz="2000" dirty="0" smtClean="0">
                 <a:solidFill>
@@ -11446,14 +11310,6 @@
                 </a:solidFill>
               </a:rPr>
             </a:br>
-            <a:r>
-              <a:rPr kumimoji="0" lang="zh-CN" altLang="en-US" sz="2000" dirty="0" smtClean="0">
-                <a:solidFill>
-                  <a:schemeClr val="tx1"/>
-                </a:solidFill>
-              </a:rPr>
-              <a:t/>
-            </a:r>
             <a:br>
               <a:rPr kumimoji="0" lang="zh-CN" altLang="en-US" sz="2000" dirty="0" smtClean="0">
                 <a:solidFill>
@@ -11461,14 +11317,6 @@
                 </a:solidFill>
               </a:rPr>
             </a:br>
-            <a:r>
-              <a:rPr kumimoji="0" lang="zh-CN" altLang="en-US" sz="2000" dirty="0" smtClean="0">
-                <a:solidFill>
-                  <a:schemeClr val="tx1"/>
-                </a:solidFill>
-              </a:rPr>
-              <a:t/>
-            </a:r>
             <a:br>
               <a:rPr kumimoji="0" lang="zh-CN" altLang="en-US" sz="2000" dirty="0" smtClean="0">
                 <a:solidFill>
@@ -11476,14 +11324,6 @@
                 </a:solidFill>
               </a:rPr>
             </a:br>
-            <a:r>
-              <a:rPr kumimoji="0" lang="zh-CN" altLang="en-US" sz="2000" dirty="0" smtClean="0">
-                <a:solidFill>
-                  <a:schemeClr val="tx1"/>
-                </a:solidFill>
-              </a:rPr>
-              <a:t/>
-            </a:r>
             <a:br>
               <a:rPr kumimoji="0" lang="zh-CN" altLang="en-US" sz="2000" dirty="0" smtClean="0">
                 <a:solidFill>
@@ -11491,14 +11331,6 @@
                 </a:solidFill>
               </a:rPr>
             </a:br>
-            <a:r>
-              <a:rPr kumimoji="0" lang="zh-CN" altLang="en-US" sz="2000" dirty="0" smtClean="0">
-                <a:solidFill>
-                  <a:schemeClr val="tx1"/>
-                </a:solidFill>
-              </a:rPr>
-              <a:t/>
-            </a:r>
             <a:br>
               <a:rPr kumimoji="0" lang="zh-CN" altLang="en-US" sz="2000" dirty="0" smtClean="0">
                 <a:solidFill>
@@ -11506,14 +11338,6 @@
                 </a:solidFill>
               </a:rPr>
             </a:br>
-            <a:r>
-              <a:rPr kumimoji="0" lang="zh-CN" altLang="en-US" sz="2000" dirty="0" smtClean="0">
-                <a:solidFill>
-                  <a:schemeClr val="tx1"/>
-                </a:solidFill>
-              </a:rPr>
-              <a:t/>
-            </a:r>
             <a:br>
               <a:rPr kumimoji="0" lang="zh-CN" altLang="en-US" sz="2000" dirty="0" smtClean="0">
                 <a:solidFill>
@@ -11581,6 +11405,7 @@
               <a:rPr kumimoji="0" lang="zh-CN" altLang="en-US" dirty="0"/>
               <a:t>对象及对象属性</a:t>
             </a:r>
+            <a:endParaRPr kumimoji="0" lang="zh-CN" altLang="en-US" dirty="0"/>
           </a:p>
         </p:txBody>
       </p:sp>
@@ -11593,7 +11418,7 @@
           <p:nvPr/>
         </p:nvPicPr>
         <p:blipFill>
-          <a:blip r:embed="rId3"/>
+          <a:blip r:embed="rId1"/>
           <a:srcRect l="6634" b="25062"/>
           <a:stretch>
             <a:fillRect/>
@@ -11618,7 +11443,7 @@
           <p:nvPr/>
         </p:nvPicPr>
         <p:blipFill>
-          <a:blip r:embed="rId4"/>
+          <a:blip r:embed="rId2"/>
           <a:srcRect b="13422"/>
           <a:stretch>
             <a:fillRect/>
@@ -11643,7 +11468,7 @@
           <p:nvPr/>
         </p:nvPicPr>
         <p:blipFill>
-          <a:blip r:embed="rId5"/>
+          <a:blip r:embed="rId3"/>
           <a:stretch>
             <a:fillRect/>
           </a:stretch>
@@ -11728,6 +11553,7 @@
               <a:rPr sz="2000"/>
               <a:t>Object.prototype</a:t>
             </a:r>
+            <a:endParaRPr sz="2000"/>
           </a:p>
         </p:txBody>
       </p:sp>
@@ -11816,6 +11642,7 @@
               <a:rPr sz="2000"/>
               <a:t>null</a:t>
             </a:r>
+            <a:endParaRPr sz="2000"/>
           </a:p>
         </p:txBody>
       </p:sp>
@@ -11853,6 +11680,7 @@
               <a:rPr sz="2250"/>
               <a:t>var objProto = {</a:t>
             </a:r>
+            <a:endParaRPr sz="2250"/>
           </a:p>
           <a:p>
             <a:pPr lvl="0" algn="l" defTabSz="457200">
@@ -11865,6 +11693,7 @@
               <a:rPr sz="2250"/>
               <a:t>    z:3</a:t>
             </a:r>
+            <a:endParaRPr sz="2250"/>
           </a:p>
           <a:p>
             <a:pPr lvl="0" algn="l" defTabSz="457200">
@@ -11877,6 +11706,7 @@
               <a:rPr sz="2250"/>
               <a:t>};</a:t>
             </a:r>
+            <a:endParaRPr sz="2250"/>
           </a:p>
         </p:txBody>
       </p:sp>
@@ -11925,6 +11755,14 @@
               </a:rPr>
               <a:t>//1</a:t>
             </a:r>
+            <a:endParaRPr sz="2250">
+              <a:solidFill>
+                <a:schemeClr val="accent1">
+                  <a:lumMod val="90000"/>
+                  <a:lumOff val="10000"/>
+                </a:schemeClr>
+              </a:solidFill>
+            </a:endParaRPr>
           </a:p>
           <a:p>
             <a:pPr lvl="0" algn="l" defTabSz="457200">
@@ -11952,6 +11790,14 @@
               </a:rPr>
               <a:t>//2</a:t>
             </a:r>
+            <a:endParaRPr sz="2250">
+              <a:solidFill>
+                <a:schemeClr val="accent1">
+                  <a:lumMod val="90000"/>
+                  <a:lumOff val="10000"/>
+                </a:schemeClr>
+              </a:solidFill>
+            </a:endParaRPr>
           </a:p>
           <a:p>
             <a:pPr lvl="0" algn="l" defTabSz="457200">
@@ -11979,6 +11825,14 @@
               </a:rPr>
               <a:t>//3</a:t>
             </a:r>
+            <a:endParaRPr sz="2250">
+              <a:solidFill>
+                <a:schemeClr val="accent1">
+                  <a:lumMod val="90000"/>
+                  <a:lumOff val="10000"/>
+                </a:schemeClr>
+              </a:solidFill>
+            </a:endParaRPr>
           </a:p>
         </p:txBody>
       </p:sp>
@@ -12016,6 +11870,7 @@
               <a:rPr sz="2250"/>
               <a:t>var obj = Object.create(objProto);</a:t>
             </a:r>
+            <a:endParaRPr sz="2250"/>
           </a:p>
           <a:p>
             <a:pPr lvl="0" algn="l" defTabSz="457200">
@@ -12044,6 +11899,7 @@
               <a:rPr sz="2250"/>
               <a:t>;</a:t>
             </a:r>
+            <a:endParaRPr sz="2250"/>
           </a:p>
           <a:p>
             <a:pPr lvl="0" algn="l" defTabSz="457200">
@@ -12072,6 +11928,7 @@
               <a:rPr sz="2250"/>
               <a:t>;</a:t>
             </a:r>
+            <a:endParaRPr sz="2250"/>
           </a:p>
         </p:txBody>
       </p:sp>
@@ -12114,7 +11971,7 @@
           <p:nvPr/>
         </p:nvPicPr>
         <p:blipFill>
-          <a:blip r:embed="rId3"/>
+          <a:blip r:embed="rId1"/>
           <a:srcRect/>
           <a:stretch>
             <a:fillRect/>
@@ -12163,6 +12020,13 @@
               </a:rPr>
               <a:t>为什么遍历不到某些属性</a:t>
             </a:r>
+            <a:endParaRPr lang="zh-CN" altLang="en-US" sz="2200">
+              <a:solidFill>
+                <a:srgbClr val="FF0000"/>
+              </a:solidFill>
+              <a:latin typeface="+mn-ea"/>
+              <a:ea typeface="+mn-ea"/>
+            </a:endParaRPr>
           </a:p>
           <a:p>
             <a:pPr algn="l"/>
@@ -12244,6 +12108,11 @@
               </a:rPr>
               <a:t>//原型链上有toString</a:t>
             </a:r>
+            <a:endParaRPr sz="2250">
+              <a:solidFill>
+                <a:srgbClr val="00B050"/>
+              </a:solidFill>
+            </a:endParaRPr>
           </a:p>
           <a:p>
             <a:pPr lvl="0" algn="l" defTabSz="457200">
@@ -12401,6 +12270,12 @@
               </a:rPr>
               <a:t>？</a:t>
             </a:r>
+            <a:endParaRPr lang="zh-CN" altLang="en-US" sz="2250">
+              <a:solidFill>
+                <a:srgbClr val="00B050"/>
+              </a:solidFill>
+              <a:sym typeface="+mn-ea"/>
+            </a:endParaRPr>
           </a:p>
           <a:p>
             <a:pPr lvl="0" algn="l" defTabSz="457200">
@@ -12417,6 +12292,11 @@
               </a:rPr>
               <a:t>}</a:t>
             </a:r>
+            <a:endParaRPr sz="2250">
+              <a:solidFill>
+                <a:schemeClr val="tx1"/>
+              </a:solidFill>
+            </a:endParaRPr>
           </a:p>
         </p:txBody>
       </p:sp>
@@ -12429,7 +12309,7 @@
           <p:nvPr/>
         </p:nvPicPr>
         <p:blipFill>
-          <a:blip r:embed="rId4"/>
+          <a:blip r:embed="rId2"/>
           <a:stretch>
             <a:fillRect/>
           </a:stretch>
@@ -13556,6 +13436,12 @@
               </a:rPr>
               <a:t>对象属性（数据属性）的特性</a:t>
             </a:r>
+            <a:endParaRPr lang="zh-CN" altLang="en-US" sz="2800" b="1">
+              <a:solidFill>
+                <a:schemeClr val="accent3"/>
+              </a:solidFill>
+              <a:sym typeface="+mn-ea"/>
+            </a:endParaRPr>
           </a:p>
           <a:p>
             <a:pPr algn="l">
@@ -13580,6 +13466,9 @@
               </a:rPr>
               <a:t>对象访问器（访问器属性）的特性</a:t>
             </a:r>
+            <a:endParaRPr lang="zh-CN" altLang="en-US" sz="2800" b="1">
+              <a:sym typeface="+mn-ea"/>
+            </a:endParaRPr>
           </a:p>
           <a:p>
             <a:pPr algn="l">
@@ -14054,15 +13943,6 @@
               </a:rPr>
               <a:t>属性是否可写性</a:t>
             </a:r>
-            <a:r>
-              <a:rPr kumimoji="0" lang="zh-CN" altLang="en-US" sz="2000" dirty="0" smtClean="0">
-                <a:solidFill>
-                  <a:schemeClr val="tx1"/>
-                </a:solidFill>
-                <a:sym typeface="+mn-ea"/>
-              </a:rPr>
-              <a:t/>
-            </a:r>
             <a:br>
               <a:rPr kumimoji="0" lang="zh-CN" altLang="en-US" sz="2000" dirty="0" smtClean="0">
                 <a:solidFill>
@@ -14134,15 +14014,6 @@
               </a:rPr>
               <a:t>其他特性是否可配置</a:t>
             </a:r>
-            <a:r>
-              <a:rPr kumimoji="0" lang="zh-CN" altLang="en-US" sz="2000" dirty="0" smtClean="0">
-                <a:solidFill>
-                  <a:schemeClr val="tx1"/>
-                </a:solidFill>
-                <a:sym typeface="+mn-ea"/>
-              </a:rPr>
-              <a:t/>
-            </a:r>
             <a:br>
               <a:rPr kumimoji="0" lang="zh-CN" altLang="en-US" sz="2000" dirty="0" smtClean="0">
                 <a:solidFill>
@@ -14214,6 +14085,12 @@
               </a:rPr>
               <a:t>是否可枚举</a:t>
             </a:r>
+            <a:endParaRPr kumimoji="0" lang="zh-CN" altLang="en-US" sz="2000" dirty="0" smtClean="0">
+              <a:solidFill>
+                <a:srgbClr val="FF0000"/>
+              </a:solidFill>
+              <a:sym typeface="+mn-ea"/>
+            </a:endParaRPr>
           </a:p>
           <a:p>
             <a:pPr>
@@ -14266,15 +14143,6 @@
               </a:rPr>
               <a:t>able）</a:t>
             </a:r>
-            <a:r>
-              <a:rPr kumimoji="0" lang="zh-CN" altLang="en-US" sz="2000" dirty="0" smtClean="0">
-                <a:solidFill>
-                  <a:schemeClr val="tx1"/>
-                </a:solidFill>
-                <a:sym typeface="+mn-ea"/>
-              </a:rPr>
-              <a:t/>
-            </a:r>
             <a:br>
               <a:rPr kumimoji="0" lang="zh-CN" altLang="en-US" sz="2000" dirty="0" smtClean="0">
                 <a:solidFill>
@@ -14283,15 +14151,6 @@
                 <a:sym typeface="+mn-ea"/>
               </a:rPr>
             </a:br>
-            <a:r>
-              <a:rPr kumimoji="0" lang="zh-CN" altLang="en-US" sz="2000" dirty="0" smtClean="0">
-                <a:solidFill>
-                  <a:schemeClr val="tx1"/>
-                </a:solidFill>
-                <a:sym typeface="+mn-ea"/>
-              </a:rPr>
-              <a:t/>
-            </a:r>
             <a:br>
               <a:rPr kumimoji="0" lang="zh-CN" altLang="en-US" sz="2000" dirty="0" smtClean="0">
                 <a:solidFill>
@@ -14309,14 +14168,6 @@
               </a:rPr>
               <a:t>  </a:t>
             </a:r>
-            <a:r>
-              <a:rPr kumimoji="0" lang="zh-CN" altLang="en-US" sz="2000" dirty="0" smtClean="0">
-                <a:solidFill>
-                  <a:schemeClr val="tx1"/>
-                </a:solidFill>
-              </a:rPr>
-              <a:t/>
-            </a:r>
             <a:br>
               <a:rPr kumimoji="0" lang="zh-CN" altLang="en-US" sz="2000" dirty="0" smtClean="0">
                 <a:solidFill>
@@ -14324,14 +14175,6 @@
                 </a:solidFill>
               </a:rPr>
             </a:br>
-            <a:r>
-              <a:rPr kumimoji="0" lang="zh-CN" altLang="en-US" sz="2000" dirty="0" smtClean="0">
-                <a:solidFill>
-                  <a:schemeClr val="tx1"/>
-                </a:solidFill>
-              </a:rPr>
-              <a:t/>
-            </a:r>
             <a:br>
               <a:rPr kumimoji="0" lang="zh-CN" altLang="en-US" sz="2000" dirty="0" smtClean="0">
                 <a:solidFill>
@@ -14339,14 +14182,6 @@
                 </a:solidFill>
               </a:rPr>
             </a:br>
-            <a:r>
-              <a:rPr kumimoji="0" lang="zh-CN" altLang="en-US" sz="2000" dirty="0" smtClean="0">
-                <a:solidFill>
-                  <a:schemeClr val="tx1"/>
-                </a:solidFill>
-              </a:rPr>
-              <a:t/>
-            </a:r>
             <a:br>
               <a:rPr kumimoji="0" lang="zh-CN" altLang="en-US" sz="2000" dirty="0" smtClean="0">
                 <a:solidFill>
@@ -14354,14 +14189,6 @@
                 </a:solidFill>
               </a:rPr>
             </a:br>
-            <a:r>
-              <a:rPr kumimoji="0" lang="zh-CN" altLang="en-US" sz="2000" dirty="0" smtClean="0">
-                <a:solidFill>
-                  <a:schemeClr val="tx1"/>
-                </a:solidFill>
-              </a:rPr>
-              <a:t/>
-            </a:r>
             <a:br>
               <a:rPr kumimoji="0" lang="zh-CN" altLang="en-US" sz="2000" dirty="0" smtClean="0">
                 <a:solidFill>
@@ -14369,14 +14196,6 @@
                 </a:solidFill>
               </a:rPr>
             </a:br>
-            <a:r>
-              <a:rPr kumimoji="0" lang="zh-CN" altLang="en-US" sz="2000" dirty="0" smtClean="0">
-                <a:solidFill>
-                  <a:schemeClr val="tx1"/>
-                </a:solidFill>
-              </a:rPr>
-              <a:t/>
-            </a:r>
             <a:br>
               <a:rPr kumimoji="0" lang="zh-CN" altLang="en-US" sz="2000" dirty="0" smtClean="0">
                 <a:solidFill>
@@ -14384,14 +14203,6 @@
                 </a:solidFill>
               </a:rPr>
             </a:br>
-            <a:r>
-              <a:rPr kumimoji="0" lang="zh-CN" altLang="en-US" sz="2000" dirty="0" smtClean="0">
-                <a:solidFill>
-                  <a:schemeClr val="tx1"/>
-                </a:solidFill>
-              </a:rPr>
-              <a:t/>
-            </a:r>
             <a:br>
               <a:rPr kumimoji="0" lang="zh-CN" altLang="en-US" sz="2000" dirty="0" smtClean="0">
                 <a:solidFill>
@@ -14399,14 +14210,6 @@
                 </a:solidFill>
               </a:rPr>
             </a:br>
-            <a:r>
-              <a:rPr kumimoji="0" lang="zh-CN" altLang="en-US" sz="2000" dirty="0" smtClean="0">
-                <a:solidFill>
-                  <a:schemeClr val="tx1"/>
-                </a:solidFill>
-              </a:rPr>
-              <a:t/>
-            </a:r>
             <a:br>
               <a:rPr kumimoji="0" lang="zh-CN" altLang="en-US" sz="2000" dirty="0" smtClean="0">
                 <a:solidFill>
@@ -14414,14 +14217,6 @@
                 </a:solidFill>
               </a:rPr>
             </a:br>
-            <a:r>
-              <a:rPr kumimoji="0" lang="zh-CN" altLang="en-US" sz="2000" dirty="0" smtClean="0">
-                <a:solidFill>
-                  <a:schemeClr val="tx1"/>
-                </a:solidFill>
-              </a:rPr>
-              <a:t/>
-            </a:r>
             <a:br>
               <a:rPr kumimoji="0" lang="zh-CN" altLang="en-US" sz="2000" dirty="0" smtClean="0">
                 <a:solidFill>
@@ -14504,7 +14299,7 @@
           <p:nvPr/>
         </p:nvPicPr>
         <p:blipFill>
-          <a:blip r:embed="rId3"/>
+          <a:blip r:embed="rId1"/>
           <a:stretch>
             <a:fillRect/>
           </a:stretch>
@@ -14572,6 +14367,13 @@
               </a:rPr>
               <a:t>设置属性的可枚举特性</a:t>
             </a:r>
+            <a:endParaRPr lang="zh-CN" altLang="en-US" sz="2200">
+              <a:solidFill>
+                <a:srgbClr val="FF0000"/>
+              </a:solidFill>
+              <a:latin typeface="+mn-ea"/>
+              <a:ea typeface="+mn-ea"/>
+            </a:endParaRPr>
           </a:p>
         </p:txBody>
       </p:sp>
@@ -14584,7 +14386,7 @@
           <p:nvPr/>
         </p:nvPicPr>
         <p:blipFill>
-          <a:blip r:embed="rId4"/>
+          <a:blip r:embed="rId2"/>
           <a:stretch>
             <a:fillRect/>
           </a:stretch>
@@ -15208,15 +15010,6 @@
               </a:rPr>
               <a:t>）</a:t>
             </a:r>
-            <a:r>
-              <a:rPr kumimoji="0" lang="zh-CN" altLang="en-US" sz="2000" dirty="0" smtClean="0">
-                <a:solidFill>
-                  <a:schemeClr val="tx1"/>
-                </a:solidFill>
-                <a:sym typeface="+mn-ea"/>
-              </a:rPr>
-              <a:t/>
-            </a:r>
             <a:br>
               <a:rPr kumimoji="0" lang="zh-CN" altLang="en-US" sz="2000" dirty="0" smtClean="0">
                 <a:solidFill>
@@ -15225,15 +15018,6 @@
                 <a:sym typeface="+mn-ea"/>
               </a:rPr>
             </a:br>
-            <a:r>
-              <a:rPr kumimoji="0" lang="zh-CN" altLang="en-US" sz="2000" dirty="0" smtClean="0">
-                <a:solidFill>
-                  <a:schemeClr val="tx1"/>
-                </a:solidFill>
-                <a:sym typeface="+mn-ea"/>
-              </a:rPr>
-              <a:t/>
-            </a:r>
             <a:br>
               <a:rPr kumimoji="0" lang="zh-CN" altLang="en-US" sz="2000" dirty="0" smtClean="0">
                 <a:solidFill>
@@ -15251,14 +15035,6 @@
               </a:rPr>
               <a:t>  </a:t>
             </a:r>
-            <a:r>
-              <a:rPr kumimoji="0" lang="zh-CN" altLang="en-US" sz="2000" dirty="0" smtClean="0">
-                <a:solidFill>
-                  <a:schemeClr val="tx1"/>
-                </a:solidFill>
-              </a:rPr>
-              <a:t/>
-            </a:r>
             <a:br>
               <a:rPr kumimoji="0" lang="zh-CN" altLang="en-US" sz="2000" dirty="0" smtClean="0">
                 <a:solidFill>
@@ -15266,14 +15042,6 @@
                 </a:solidFill>
               </a:rPr>
             </a:br>
-            <a:r>
-              <a:rPr kumimoji="0" lang="zh-CN" altLang="en-US" sz="2000" dirty="0" smtClean="0">
-                <a:solidFill>
-                  <a:schemeClr val="tx1"/>
-                </a:solidFill>
-              </a:rPr>
-              <a:t/>
-            </a:r>
             <a:br>
               <a:rPr kumimoji="0" lang="zh-CN" altLang="en-US" sz="2000" dirty="0" smtClean="0">
                 <a:solidFill>
@@ -15281,14 +15049,6 @@
                 </a:solidFill>
               </a:rPr>
             </a:br>
-            <a:r>
-              <a:rPr kumimoji="0" lang="zh-CN" altLang="en-US" sz="2000" dirty="0" smtClean="0">
-                <a:solidFill>
-                  <a:schemeClr val="tx1"/>
-                </a:solidFill>
-              </a:rPr>
-              <a:t/>
-            </a:r>
             <a:br>
               <a:rPr kumimoji="0" lang="zh-CN" altLang="en-US" sz="2000" dirty="0" smtClean="0">
                 <a:solidFill>
@@ -15296,14 +15056,6 @@
                 </a:solidFill>
               </a:rPr>
             </a:br>
-            <a:r>
-              <a:rPr kumimoji="0" lang="zh-CN" altLang="en-US" sz="2000" dirty="0" smtClean="0">
-                <a:solidFill>
-                  <a:schemeClr val="tx1"/>
-                </a:solidFill>
-              </a:rPr>
-              <a:t/>
-            </a:r>
             <a:br>
               <a:rPr kumimoji="0" lang="zh-CN" altLang="en-US" sz="2000" dirty="0" smtClean="0">
                 <a:solidFill>
@@ -15311,14 +15063,6 @@
                 </a:solidFill>
               </a:rPr>
             </a:br>
-            <a:r>
-              <a:rPr kumimoji="0" lang="zh-CN" altLang="en-US" sz="2000" dirty="0" smtClean="0">
-                <a:solidFill>
-                  <a:schemeClr val="tx1"/>
-                </a:solidFill>
-              </a:rPr>
-              <a:t/>
-            </a:r>
             <a:br>
               <a:rPr kumimoji="0" lang="zh-CN" altLang="en-US" sz="2000" dirty="0" smtClean="0">
                 <a:solidFill>
@@ -15326,14 +15070,6 @@
                 </a:solidFill>
               </a:rPr>
             </a:br>
-            <a:r>
-              <a:rPr kumimoji="0" lang="zh-CN" altLang="en-US" sz="2000" dirty="0" smtClean="0">
-                <a:solidFill>
-                  <a:schemeClr val="tx1"/>
-                </a:solidFill>
-              </a:rPr>
-              <a:t/>
-            </a:r>
             <a:br>
               <a:rPr kumimoji="0" lang="zh-CN" altLang="en-US" sz="2000" dirty="0" smtClean="0">
                 <a:solidFill>
@@ -15341,14 +15077,6 @@
                 </a:solidFill>
               </a:rPr>
             </a:br>
-            <a:r>
-              <a:rPr kumimoji="0" lang="zh-CN" altLang="en-US" sz="2000" dirty="0" smtClean="0">
-                <a:solidFill>
-                  <a:schemeClr val="tx1"/>
-                </a:solidFill>
-              </a:rPr>
-              <a:t/>
-            </a:r>
             <a:br>
               <a:rPr kumimoji="0" lang="zh-CN" altLang="en-US" sz="2000" dirty="0" smtClean="0">
                 <a:solidFill>
@@ -15356,14 +15084,6 @@
                 </a:solidFill>
               </a:rPr>
             </a:br>
-            <a:r>
-              <a:rPr kumimoji="0" lang="zh-CN" altLang="en-US" sz="2000" dirty="0" smtClean="0">
-                <a:solidFill>
-                  <a:schemeClr val="tx1"/>
-                </a:solidFill>
-              </a:rPr>
-              <a:t/>
-            </a:r>
             <a:br>
               <a:rPr kumimoji="0" lang="zh-CN" altLang="en-US" sz="2000" dirty="0" smtClean="0">
                 <a:solidFill>
@@ -15490,6 +15210,13 @@
               </a:rPr>
               <a:t>设置属性的可写和可配置特性</a:t>
             </a:r>
+            <a:endParaRPr lang="zh-CN" altLang="en-US" sz="2200">
+              <a:solidFill>
+                <a:srgbClr val="FF0000"/>
+              </a:solidFill>
+              <a:latin typeface="+mn-ea"/>
+              <a:ea typeface="+mn-ea"/>
+            </a:endParaRPr>
           </a:p>
         </p:txBody>
       </p:sp>
@@ -15502,7 +15229,7 @@
           <p:nvPr/>
         </p:nvPicPr>
         <p:blipFill>
-          <a:blip r:embed="rId3"/>
+          <a:blip r:embed="rId1"/>
           <a:srcRect b="41690"/>
           <a:stretch>
             <a:fillRect/>
@@ -15527,7 +15254,7 @@
           <p:nvPr/>
         </p:nvPicPr>
         <p:blipFill>
-          <a:blip r:embed="rId3"/>
+          <a:blip r:embed="rId1"/>
           <a:srcRect t="57126"/>
           <a:stretch>
             <a:fillRect/>
@@ -16040,15 +15767,6 @@
               </a:rPr>
               <a:t>）</a:t>
             </a:r>
-            <a:r>
-              <a:rPr kumimoji="0" lang="zh-CN" altLang="en-US" sz="2000" dirty="0" smtClean="0">
-                <a:solidFill>
-                  <a:schemeClr val="tx1"/>
-                </a:solidFill>
-                <a:sym typeface="+mn-ea"/>
-              </a:rPr>
-              <a:t/>
-            </a:r>
             <a:br>
               <a:rPr kumimoji="0" lang="zh-CN" altLang="en-US" sz="2000" dirty="0" smtClean="0">
                 <a:solidFill>
@@ -16057,15 +15775,6 @@
                 <a:sym typeface="+mn-ea"/>
               </a:rPr>
             </a:br>
-            <a:r>
-              <a:rPr kumimoji="0" lang="zh-CN" altLang="en-US" sz="2000" dirty="0" smtClean="0">
-                <a:solidFill>
-                  <a:schemeClr val="tx1"/>
-                </a:solidFill>
-                <a:sym typeface="+mn-ea"/>
-              </a:rPr>
-              <a:t/>
-            </a:r>
             <a:br>
               <a:rPr kumimoji="0" lang="zh-CN" altLang="en-US" sz="2000" dirty="0" smtClean="0">
                 <a:solidFill>
@@ -16083,14 +15792,6 @@
               </a:rPr>
               <a:t>  </a:t>
             </a:r>
-            <a:r>
-              <a:rPr kumimoji="0" lang="zh-CN" altLang="en-US" sz="2000" dirty="0" smtClean="0">
-                <a:solidFill>
-                  <a:schemeClr val="tx1"/>
-                </a:solidFill>
-              </a:rPr>
-              <a:t/>
-            </a:r>
             <a:br>
               <a:rPr kumimoji="0" lang="zh-CN" altLang="en-US" sz="2000" dirty="0" smtClean="0">
                 <a:solidFill>
@@ -16098,14 +15799,6 @@
                 </a:solidFill>
               </a:rPr>
             </a:br>
-            <a:r>
-              <a:rPr kumimoji="0" lang="zh-CN" altLang="en-US" sz="2000" dirty="0" smtClean="0">
-                <a:solidFill>
-                  <a:schemeClr val="tx1"/>
-                </a:solidFill>
-              </a:rPr>
-              <a:t/>
-            </a:r>
             <a:br>
               <a:rPr kumimoji="0" lang="zh-CN" altLang="en-US" sz="2000" dirty="0" smtClean="0">
                 <a:solidFill>
@@ -16113,14 +15806,6 @@
                 </a:solidFill>
               </a:rPr>
             </a:br>
-            <a:r>
-              <a:rPr kumimoji="0" lang="zh-CN" altLang="en-US" sz="2000" dirty="0" smtClean="0">
-                <a:solidFill>
-                  <a:schemeClr val="tx1"/>
-                </a:solidFill>
-              </a:rPr>
-              <a:t/>
-            </a:r>
             <a:br>
               <a:rPr kumimoji="0" lang="zh-CN" altLang="en-US" sz="2000" dirty="0" smtClean="0">
                 <a:solidFill>
@@ -16128,14 +15813,6 @@
                 </a:solidFill>
               </a:rPr>
             </a:br>
-            <a:r>
-              <a:rPr kumimoji="0" lang="zh-CN" altLang="en-US" sz="2000" dirty="0" smtClean="0">
-                <a:solidFill>
-                  <a:schemeClr val="tx1"/>
-                </a:solidFill>
-              </a:rPr>
-              <a:t/>
-            </a:r>
             <a:br>
               <a:rPr kumimoji="0" lang="zh-CN" altLang="en-US" sz="2000" dirty="0" smtClean="0">
                 <a:solidFill>
@@ -16143,14 +15820,6 @@
                 </a:solidFill>
               </a:rPr>
             </a:br>
-            <a:r>
-              <a:rPr kumimoji="0" lang="zh-CN" altLang="en-US" sz="2000" dirty="0" smtClean="0">
-                <a:solidFill>
-                  <a:schemeClr val="tx1"/>
-                </a:solidFill>
-              </a:rPr>
-              <a:t/>
-            </a:r>
             <a:br>
               <a:rPr kumimoji="0" lang="zh-CN" altLang="en-US" sz="2000" dirty="0" smtClean="0">
                 <a:solidFill>
@@ -16158,14 +15827,6 @@
                 </a:solidFill>
               </a:rPr>
             </a:br>
-            <a:r>
-              <a:rPr kumimoji="0" lang="zh-CN" altLang="en-US" sz="2000" dirty="0" smtClean="0">
-                <a:solidFill>
-                  <a:schemeClr val="tx1"/>
-                </a:solidFill>
-              </a:rPr>
-              <a:t/>
-            </a:r>
             <a:br>
               <a:rPr kumimoji="0" lang="zh-CN" altLang="en-US" sz="2000" dirty="0" smtClean="0">
                 <a:solidFill>
@@ -16173,14 +15834,6 @@
                 </a:solidFill>
               </a:rPr>
             </a:br>
-            <a:r>
-              <a:rPr kumimoji="0" lang="zh-CN" altLang="en-US" sz="2000" dirty="0" smtClean="0">
-                <a:solidFill>
-                  <a:schemeClr val="tx1"/>
-                </a:solidFill>
-              </a:rPr>
-              <a:t/>
-            </a:r>
             <a:br>
               <a:rPr kumimoji="0" lang="zh-CN" altLang="en-US" sz="2000" dirty="0" smtClean="0">
                 <a:solidFill>
@@ -16188,14 +15841,6 @@
                 </a:solidFill>
               </a:rPr>
             </a:br>
-            <a:r>
-              <a:rPr kumimoji="0" lang="zh-CN" altLang="en-US" sz="2000" dirty="0" smtClean="0">
-                <a:solidFill>
-                  <a:schemeClr val="tx1"/>
-                </a:solidFill>
-              </a:rPr>
-              <a:t/>
-            </a:r>
             <a:br>
               <a:rPr kumimoji="0" lang="zh-CN" altLang="en-US" sz="2000" dirty="0" smtClean="0">
                 <a:solidFill>
@@ -16332,6 +15977,13 @@
               </a:rPr>
               <a:t> 直接添加属性</a:t>
             </a:r>
+            <a:endParaRPr lang="zh-CN" altLang="en-US" sz="2200">
+              <a:solidFill>
+                <a:srgbClr val="FF0000"/>
+              </a:solidFill>
+              <a:latin typeface="+mn-ea"/>
+              <a:ea typeface="+mn-ea"/>
+            </a:endParaRPr>
           </a:p>
         </p:txBody>
       </p:sp>
@@ -16344,7 +15996,7 @@
           <p:nvPr/>
         </p:nvPicPr>
         <p:blipFill>
-          <a:blip r:embed="rId3"/>
+          <a:blip r:embed="rId1"/>
           <a:stretch>
             <a:fillRect/>
           </a:stretch>
@@ -16801,15 +16453,6 @@
               </a:rPr>
               <a:t>）</a:t>
             </a:r>
-            <a:r>
-              <a:rPr kumimoji="0" lang="zh-CN" altLang="en-US" sz="2000" dirty="0" smtClean="0">
-                <a:solidFill>
-                  <a:schemeClr val="tx1"/>
-                </a:solidFill>
-                <a:sym typeface="+mn-ea"/>
-              </a:rPr>
-              <a:t/>
-            </a:r>
             <a:br>
               <a:rPr kumimoji="0" lang="zh-CN" altLang="en-US" sz="2000" dirty="0" smtClean="0">
                 <a:solidFill>
@@ -16818,15 +16461,6 @@
                 <a:sym typeface="+mn-ea"/>
               </a:rPr>
             </a:br>
-            <a:r>
-              <a:rPr kumimoji="0" lang="zh-CN" altLang="en-US" sz="2000" dirty="0" smtClean="0">
-                <a:solidFill>
-                  <a:schemeClr val="tx1"/>
-                </a:solidFill>
-                <a:sym typeface="+mn-ea"/>
-              </a:rPr>
-              <a:t/>
-            </a:r>
             <a:br>
               <a:rPr kumimoji="0" lang="zh-CN" altLang="en-US" sz="2000" dirty="0" smtClean="0">
                 <a:solidFill>
@@ -16844,14 +16478,6 @@
               </a:rPr>
               <a:t>  </a:t>
             </a:r>
-            <a:r>
-              <a:rPr kumimoji="0" lang="zh-CN" altLang="en-US" sz="2000" dirty="0" smtClean="0">
-                <a:solidFill>
-                  <a:schemeClr val="tx1"/>
-                </a:solidFill>
-              </a:rPr>
-              <a:t/>
-            </a:r>
             <a:br>
               <a:rPr kumimoji="0" lang="zh-CN" altLang="en-US" sz="2000" dirty="0" smtClean="0">
                 <a:solidFill>
@@ -16859,14 +16485,6 @@
                 </a:solidFill>
               </a:rPr>
             </a:br>
-            <a:r>
-              <a:rPr kumimoji="0" lang="zh-CN" altLang="en-US" sz="2000" dirty="0" smtClean="0">
-                <a:solidFill>
-                  <a:schemeClr val="tx1"/>
-                </a:solidFill>
-              </a:rPr>
-              <a:t/>
-            </a:r>
             <a:br>
               <a:rPr kumimoji="0" lang="zh-CN" altLang="en-US" sz="2000" dirty="0" smtClean="0">
                 <a:solidFill>
@@ -16874,14 +16492,6 @@
                 </a:solidFill>
               </a:rPr>
             </a:br>
-            <a:r>
-              <a:rPr kumimoji="0" lang="zh-CN" altLang="en-US" sz="2000" dirty="0" smtClean="0">
-                <a:solidFill>
-                  <a:schemeClr val="tx1"/>
-                </a:solidFill>
-              </a:rPr>
-              <a:t/>
-            </a:r>
             <a:br>
               <a:rPr kumimoji="0" lang="zh-CN" altLang="en-US" sz="2000" dirty="0" smtClean="0">
                 <a:solidFill>
@@ -16889,14 +16499,6 @@
                 </a:solidFill>
               </a:rPr>
             </a:br>
-            <a:r>
-              <a:rPr kumimoji="0" lang="zh-CN" altLang="en-US" sz="2000" dirty="0" smtClean="0">
-                <a:solidFill>
-                  <a:schemeClr val="tx1"/>
-                </a:solidFill>
-              </a:rPr>
-              <a:t/>
-            </a:r>
             <a:br>
               <a:rPr kumimoji="0" lang="zh-CN" altLang="en-US" sz="2000" dirty="0" smtClean="0">
                 <a:solidFill>
@@ -16904,14 +16506,6 @@
                 </a:solidFill>
               </a:rPr>
             </a:br>
-            <a:r>
-              <a:rPr kumimoji="0" lang="zh-CN" altLang="en-US" sz="2000" dirty="0" smtClean="0">
-                <a:solidFill>
-                  <a:schemeClr val="tx1"/>
-                </a:solidFill>
-              </a:rPr>
-              <a:t/>
-            </a:r>
             <a:br>
               <a:rPr kumimoji="0" lang="zh-CN" altLang="en-US" sz="2000" dirty="0" smtClean="0">
                 <a:solidFill>
@@ -16919,14 +16513,6 @@
                 </a:solidFill>
               </a:rPr>
             </a:br>
-            <a:r>
-              <a:rPr kumimoji="0" lang="zh-CN" altLang="en-US" sz="2000" dirty="0" smtClean="0">
-                <a:solidFill>
-                  <a:schemeClr val="tx1"/>
-                </a:solidFill>
-              </a:rPr>
-              <a:t/>
-            </a:r>
             <a:br>
               <a:rPr kumimoji="0" lang="zh-CN" altLang="en-US" sz="2000" dirty="0" smtClean="0">
                 <a:solidFill>
@@ -16934,14 +16520,6 @@
                 </a:solidFill>
               </a:rPr>
             </a:br>
-            <a:r>
-              <a:rPr kumimoji="0" lang="zh-CN" altLang="en-US" sz="2000" dirty="0" smtClean="0">
-                <a:solidFill>
-                  <a:schemeClr val="tx1"/>
-                </a:solidFill>
-              </a:rPr>
-              <a:t/>
-            </a:r>
             <a:br>
               <a:rPr kumimoji="0" lang="zh-CN" altLang="en-US" sz="2000" dirty="0" smtClean="0">
                 <a:solidFill>
@@ -16949,14 +16527,6 @@
                 </a:solidFill>
               </a:rPr>
             </a:br>
-            <a:r>
-              <a:rPr kumimoji="0" lang="zh-CN" altLang="en-US" sz="2000" dirty="0" smtClean="0">
-                <a:solidFill>
-                  <a:schemeClr val="tx1"/>
-                </a:solidFill>
-              </a:rPr>
-              <a:t/>
-            </a:r>
             <a:br>
               <a:rPr kumimoji="0" lang="zh-CN" altLang="en-US" sz="2000" dirty="0" smtClean="0">
                 <a:solidFill>
@@ -17158,7 +16728,7 @@
           <p:nvPr/>
         </p:nvPicPr>
         <p:blipFill>
-          <a:blip r:embed="rId3"/>
+          <a:blip r:embed="rId1"/>
           <a:stretch>
             <a:fillRect/>
           </a:stretch>
@@ -17824,10 +17394,9 @@
       </a:lstStyle>
     </a:lnDef>
   </a:objectDefaults>
-  <a:extraClrSchemeLst/>
   <a:extLst>
     <a:ext uri="{05A4C25C-085E-4340-85A3-A5531E510DB2}">
-      <thm15:themeFamily xmlns="" xmlns:thm15="http://schemas.microsoft.com/office/thememl/2012/main" name="Office Theme" id="{62F939B6-93AF-4DB8-9C6B-D6C7DFDC589F}" vid="{4A3C46E8-61CC-4603-A589-7422A47A8E4A}"/>
+      <thm15:themeFamily xmlns:thm15="http://schemas.microsoft.com/office/thememl/2012/main" name="Office Theme" id="{62F939B6-93AF-4DB8-9C6B-D6C7DFDC589F}" vid="{4A3C46E8-61CC-4603-A589-7422A47A8E4A}"/>
     </a:ext>
   </a:extLst>
 </a:theme>
@@ -18111,11 +17680,9 @@
       </a:bgFillStyleLst>
     </a:fmtScheme>
   </a:themeElements>
-  <a:objectDefaults/>
-  <a:extraClrSchemeLst/>
   <a:extLst>
     <a:ext uri="{05A4C25C-085E-4340-85A3-A5531E510DB2}">
-      <thm15:themeFamily xmlns="" xmlns:thm15="http://schemas.microsoft.com/office/thememl/2012/main" name="Office Theme" id="{62F939B6-93AF-4DB8-9C6B-D6C7DFDC589F}" vid="{4A3C46E8-61CC-4603-A589-7422A47A8E4A}"/>
+      <thm15:themeFamily xmlns:thm15="http://schemas.microsoft.com/office/thememl/2012/main" name="Office Theme" id="{62F939B6-93AF-4DB8-9C6B-D6C7DFDC589F}" vid="{4A3C46E8-61CC-4603-A589-7422A47A8E4A}"/>
     </a:ext>
   </a:extLst>
 </a:theme>
